--- a/ComputerVision/Lecture 08 - Classification/Lecture 08 - Classification.pptx
+++ b/ComputerVision/Lecture 08 - Classification/Lecture 08 - Classification.pptx
@@ -15675,7 +15675,7 @@
                 </a:solidFill>
                 <a:latin typeface="Latin Modern Sans"/>
               </a:rPr>
-              <a:t>Evaluation Metrics</a:t>
+              <a:t>Let’s Code!</a:t>
             </a:r>
             <a:endParaRPr lang="en-US" sz="3200" b="0" strike="noStrike" spc="-1" dirty="0">
               <a:latin typeface="Arial"/>
@@ -15842,7 +15842,7 @@
         <p:spPr>
           <a:xfrm>
             <a:off x="200026" y="1693406"/>
-            <a:ext cx="7521934" cy="2585323"/>
+            <a:ext cx="7521934" cy="923330"/>
           </a:xfrm>
           <a:prstGeom prst="rect">
             <a:avLst/>
@@ -15860,14 +15860,13 @@
               <a:buChar char="•"/>
             </a:pPr>
             <a:r>
-              <a:rPr lang="en-US" dirty="0">
+              <a:rPr lang="fr-FR" dirty="0">
                 <a:latin typeface="Calibri" panose="020F0502020204030204" pitchFamily="34" charset="0"/>
                 <a:cs typeface="Calibri" panose="020F0502020204030204" pitchFamily="34" charset="0"/>
-              </a:rPr>
-              <a:t>A good classifier has high Precision and Recall rates.</a:t>
-            </a:r>
-          </a:p>
-          <a:p>
+                <a:hlinkClick r:id="rId3"/>
+              </a:rPr>
+              <a:t>Lecture 08 - Image Classification.ipynb [LINK]</a:t>
+            </a:r>
             <a:endParaRPr lang="en-US" dirty="0">
               <a:latin typeface="Calibri" panose="020F0502020204030204" pitchFamily="34" charset="0"/>
               <a:cs typeface="Calibri" panose="020F0502020204030204" pitchFamily="34" charset="0"/>
@@ -15878,95 +15877,8 @@
               <a:buFont typeface="Arial" panose="020B0604020202020204" pitchFamily="34" charset="0"/>
               <a:buChar char="•"/>
             </a:pPr>
-            <a:r>
-              <a:rPr lang="en-US" dirty="0">
-                <a:latin typeface="Calibri" panose="020F0502020204030204" pitchFamily="34" charset="0"/>
-                <a:cs typeface="Calibri" panose="020F0502020204030204" pitchFamily="34" charset="0"/>
-              </a:rPr>
-              <a:t>F1-Score:</a:t>
-            </a:r>
-          </a:p>
-          <a:p>
-            <a:pPr marL="742950" lvl="1" indent="-285750">
-              <a:buFont typeface="Arial" panose="020B0604020202020204" pitchFamily="34" charset="0"/>
-              <a:buChar char="•"/>
-            </a:pPr>
-            <a:r>
-              <a:rPr lang="en-US" dirty="0">
-                <a:latin typeface="Calibri" panose="020F0502020204030204" pitchFamily="34" charset="0"/>
-                <a:cs typeface="Calibri" panose="020F0502020204030204" pitchFamily="34" charset="0"/>
-              </a:rPr>
-              <a:t>Harmonic mean</a:t>
-            </a:r>
-            <a:r>
-              <a:rPr lang="en-US" sz="1600" baseline="30000" dirty="0">
-                <a:latin typeface="Calibri" panose="020F0502020204030204" pitchFamily="34" charset="0"/>
-                <a:cs typeface="Calibri" panose="020F0502020204030204" pitchFamily="34" charset="0"/>
-              </a:rPr>
-              <a:t>(*)</a:t>
-            </a:r>
-            <a:r>
-              <a:rPr lang="en-US" dirty="0">
-                <a:latin typeface="Calibri" panose="020F0502020204030204" pitchFamily="34" charset="0"/>
-                <a:cs typeface="Calibri" panose="020F0502020204030204" pitchFamily="34" charset="0"/>
-              </a:rPr>
-              <a:t> of precision and recall</a:t>
-            </a:r>
-          </a:p>
-          <a:p>
-            <a:pPr lvl="1"/>
-            <a:endParaRPr lang="pt-BR" dirty="0">
-              <a:solidFill>
-                <a:srgbClr val="292929"/>
-              </a:solidFill>
-              <a:latin typeface="source-serif-pro"/>
-            </a:endParaRPr>
-          </a:p>
-          <a:p>
-            <a:pPr marL="742950" lvl="1" indent="-285750">
-              <a:buFont typeface="Arial" panose="020B0604020202020204" pitchFamily="34" charset="0"/>
-              <a:buChar char="•"/>
-            </a:pPr>
-            <a:endParaRPr lang="pt-BR" b="0" i="0" dirty="0">
-              <a:solidFill>
-                <a:srgbClr val="292929"/>
-              </a:solidFill>
-              <a:effectLst/>
-              <a:latin typeface="source-serif-pro"/>
-            </a:endParaRPr>
-          </a:p>
-          <a:p>
-            <a:pPr marL="742950" lvl="1" indent="-285750">
-              <a:buFont typeface="Arial" panose="020B0604020202020204" pitchFamily="34" charset="0"/>
-              <a:buChar char="•"/>
-            </a:pPr>
-            <a:endParaRPr lang="pt-BR" dirty="0">
-              <a:solidFill>
-                <a:srgbClr val="292929"/>
-              </a:solidFill>
-              <a:latin typeface="source-serif-pro"/>
-            </a:endParaRPr>
-          </a:p>
-          <a:p>
-            <a:pPr marL="742950" lvl="1" indent="-285750">
-              <a:buFont typeface="Arial" panose="020B0604020202020204" pitchFamily="34" charset="0"/>
-              <a:buChar char="•"/>
-            </a:pPr>
-            <a:r>
-              <a:rPr lang="pt-BR" b="0" i="0" dirty="0">
-                <a:solidFill>
-                  <a:srgbClr val="292929"/>
-                </a:solidFill>
-                <a:effectLst/>
-                <a:latin typeface="source-serif-pro"/>
-              </a:rPr>
-              <a:t>2* ( 0.857 * 0.75)/(0.857 + 0.75) = 0.799</a:t>
-            </a:r>
-            <a:endParaRPr lang="pt-BR" dirty="0">
-              <a:solidFill>
-                <a:srgbClr val="292929"/>
-              </a:solidFill>
-              <a:latin typeface="source-serif-pro"/>
+            <a:endParaRPr lang="en-US" dirty="0">
+              <a:latin typeface="Calibri" panose="020F0502020204030204" pitchFamily="34" charset="0"/>
               <a:cs typeface="Calibri" panose="020F0502020204030204" pitchFamily="34" charset="0"/>
             </a:endParaRPr>
           </a:p>
@@ -16021,322 +15933,6 @@
           <a:lstStyle/>
           <a:p>
             <a:endParaRPr lang="pt-BR"/>
-          </a:p>
-        </p:txBody>
-      </p:sp>
-      <p:pic>
-        <p:nvPicPr>
-          <p:cNvPr id="4" name="Imagem 3">
-            <a:extLst>
-              <a:ext uri="{FF2B5EF4-FFF2-40B4-BE49-F238E27FC236}">
-                <a16:creationId xmlns:a16="http://schemas.microsoft.com/office/drawing/2014/main" id="{234DCEB9-76C2-D403-67C2-7CD871BE0FE6}"/>
-              </a:ext>
-            </a:extLst>
-          </p:cNvPr>
-          <p:cNvPicPr>
-            <a:picLocks noChangeAspect="1"/>
-          </p:cNvPicPr>
-          <p:nvPr/>
-        </p:nvPicPr>
-        <p:blipFill>
-          <a:blip r:embed="rId3"/>
-          <a:stretch>
-            <a:fillRect/>
-          </a:stretch>
-        </p:blipFill>
-        <p:spPr>
-          <a:xfrm>
-            <a:off x="5951762" y="1448648"/>
-            <a:ext cx="3562348" cy="2507403"/>
-          </a:xfrm>
-          <a:prstGeom prst="rect">
-            <a:avLst/>
-          </a:prstGeom>
-        </p:spPr>
-      </p:pic>
-      <p:pic>
-        <p:nvPicPr>
-          <p:cNvPr id="17410" name="Picture 2">
-            <a:extLst>
-              <a:ext uri="{FF2B5EF4-FFF2-40B4-BE49-F238E27FC236}">
-                <a16:creationId xmlns:a16="http://schemas.microsoft.com/office/drawing/2014/main" id="{D94D7BB0-6032-6128-FAB0-DF6AD8C144D3}"/>
-              </a:ext>
-            </a:extLst>
-          </p:cNvPr>
-          <p:cNvPicPr>
-            <a:picLocks noChangeAspect="1" noChangeArrowheads="1"/>
-          </p:cNvPicPr>
-          <p:nvPr/>
-        </p:nvPicPr>
-        <p:blipFill>
-          <a:blip r:embed="rId4">
-            <a:extLst>
-              <a:ext uri="{28A0092B-C50C-407E-A947-70E740481C1C}">
-                <a14:useLocalDpi xmlns:a14="http://schemas.microsoft.com/office/drawing/2010/main" val="0"/>
-              </a:ext>
-            </a:extLst>
-          </a:blip>
-          <a:srcRect/>
-          <a:stretch>
-            <a:fillRect/>
-          </a:stretch>
-        </p:blipFill>
-        <p:spPr bwMode="auto">
-          <a:xfrm>
-            <a:off x="984836" y="3084040"/>
-            <a:ext cx="3174776" cy="451425"/>
-          </a:xfrm>
-          <a:prstGeom prst="rect">
-            <a:avLst/>
-          </a:prstGeom>
-          <a:noFill/>
-          <a:extLst>
-            <a:ext uri="{909E8E84-426E-40DD-AFC4-6F175D3DCCD1}">
-              <a14:hiddenFill xmlns:a14="http://schemas.microsoft.com/office/drawing/2010/main">
-                <a:solidFill>
-                  <a:srgbClr val="FFFFFF"/>
-                </a:solidFill>
-              </a14:hiddenFill>
-            </a:ext>
-          </a:extLst>
-        </p:spPr>
-      </p:pic>
-      <p:sp>
-        <p:nvSpPr>
-          <p:cNvPr id="11" name="CaixaDeTexto 10">
-            <a:extLst>
-              <a:ext uri="{FF2B5EF4-FFF2-40B4-BE49-F238E27FC236}">
-                <a16:creationId xmlns:a16="http://schemas.microsoft.com/office/drawing/2014/main" id="{E675BA93-26B2-90D0-5E95-EA3E4CB0A3D0}"/>
-              </a:ext>
-            </a:extLst>
-          </p:cNvPr>
-          <p:cNvSpPr txBox="1"/>
-          <p:nvPr/>
-        </p:nvSpPr>
-        <p:spPr>
-          <a:xfrm>
-            <a:off x="897121" y="6212761"/>
-            <a:ext cx="8685030" cy="461665"/>
-          </a:xfrm>
-          <a:prstGeom prst="rect">
-            <a:avLst/>
-          </a:prstGeom>
-          <a:noFill/>
-        </p:spPr>
-        <p:txBody>
-          <a:bodyPr wrap="square">
-            <a:spAutoFit/>
-          </a:bodyPr>
-          <a:lstStyle/>
-          <a:p>
-            <a:pPr algn="just"/>
-            <a:r>
-              <a:rPr lang="en-US" sz="1200" baseline="30000" dirty="0">
-                <a:latin typeface="Calibri" panose="020F0502020204030204" pitchFamily="34" charset="0"/>
-                <a:cs typeface="Calibri" panose="020F0502020204030204" pitchFamily="34" charset="0"/>
-              </a:rPr>
-              <a:t>(*) </a:t>
-            </a:r>
-            <a:r>
-              <a:rPr lang="en-US" sz="1200" i="0" dirty="0">
-                <a:solidFill>
-                  <a:srgbClr val="333333"/>
-                </a:solidFill>
-                <a:effectLst/>
-                <a:latin typeface="Roboto" panose="02000000000000000000" pitchFamily="2" charset="0"/>
-              </a:rPr>
-              <a:t>Harmonic mean gives less weightage to the large values and large weightage to the small values to balance the values  correctly. In general, the harmonic mean is used when there is a necessity to give greater weight to the smaller items</a:t>
-            </a:r>
-            <a:endParaRPr lang="pt-BR" sz="1200" dirty="0"/>
-          </a:p>
-        </p:txBody>
-      </p:sp>
-      <p:cxnSp>
-        <p:nvCxnSpPr>
-          <p:cNvPr id="13" name="Conector reto 12">
-            <a:extLst>
-              <a:ext uri="{FF2B5EF4-FFF2-40B4-BE49-F238E27FC236}">
-                <a16:creationId xmlns:a16="http://schemas.microsoft.com/office/drawing/2014/main" id="{331AAA48-C543-E17C-E487-BD604B9D3F53}"/>
-              </a:ext>
-            </a:extLst>
-          </p:cNvPr>
-          <p:cNvCxnSpPr/>
-          <p:nvPr/>
-        </p:nvCxnSpPr>
-        <p:spPr>
-          <a:xfrm flipH="1">
-            <a:off x="200024" y="4155754"/>
-            <a:ext cx="9314086" cy="0"/>
-          </a:xfrm>
-          <a:prstGeom prst="line">
-            <a:avLst/>
-          </a:prstGeom>
-          <a:ln w="38100">
-            <a:solidFill>
-              <a:schemeClr val="tx1"/>
-            </a:solidFill>
-          </a:ln>
-        </p:spPr>
-        <p:style>
-          <a:lnRef idx="1">
-            <a:schemeClr val="accent1"/>
-          </a:lnRef>
-          <a:fillRef idx="0">
-            <a:schemeClr val="accent1"/>
-          </a:fillRef>
-          <a:effectRef idx="0">
-            <a:schemeClr val="accent1"/>
-          </a:effectRef>
-          <a:fontRef idx="minor">
-            <a:schemeClr val="tx1"/>
-          </a:fontRef>
-        </p:style>
-      </p:cxnSp>
-      <p:sp>
-        <p:nvSpPr>
-          <p:cNvPr id="19" name="CaixaDeTexto 18">
-            <a:extLst>
-              <a:ext uri="{FF2B5EF4-FFF2-40B4-BE49-F238E27FC236}">
-                <a16:creationId xmlns:a16="http://schemas.microsoft.com/office/drawing/2014/main" id="{ABEA312F-1C17-1DCA-9A24-16CB4A981027}"/>
-              </a:ext>
-            </a:extLst>
-          </p:cNvPr>
-          <p:cNvSpPr txBox="1"/>
-          <p:nvPr/>
-        </p:nvSpPr>
-        <p:spPr>
-          <a:xfrm>
-            <a:off x="200024" y="4382118"/>
-            <a:ext cx="5038724" cy="1754326"/>
-          </a:xfrm>
-          <a:prstGeom prst="rect">
-            <a:avLst/>
-          </a:prstGeom>
-          <a:noFill/>
-        </p:spPr>
-        <p:txBody>
-          <a:bodyPr wrap="square">
-            <a:spAutoFit/>
-          </a:bodyPr>
-          <a:lstStyle/>
-          <a:p>
-            <a:pPr marL="285750" indent="-285750">
-              <a:buFont typeface="Arial" panose="020B0604020202020204" pitchFamily="34" charset="0"/>
-              <a:buChar char="•"/>
-            </a:pPr>
-            <a:r>
-              <a:rPr lang="en-US" dirty="0">
-                <a:latin typeface="Calibri" panose="020F0502020204030204" pitchFamily="34" charset="0"/>
-                <a:cs typeface="Calibri" panose="020F0502020204030204" pitchFamily="34" charset="0"/>
-              </a:rPr>
-              <a:t>Final Remarks</a:t>
-            </a:r>
-          </a:p>
-          <a:p>
-            <a:pPr marL="742950" lvl="1" indent="-285750">
-              <a:buFont typeface="Arial" panose="020B0604020202020204" pitchFamily="34" charset="0"/>
-              <a:buChar char="•"/>
-            </a:pPr>
-            <a:endParaRPr lang="pt-BR" dirty="0">
-              <a:latin typeface="Calibri" panose="020F0502020204030204" pitchFamily="34" charset="0"/>
-              <a:cs typeface="Calibri" panose="020F0502020204030204" pitchFamily="34" charset="0"/>
-            </a:endParaRPr>
-          </a:p>
-          <a:p>
-            <a:pPr marL="742950" lvl="1" indent="-285750" algn="just">
-              <a:buFont typeface="Arial" panose="020B0604020202020204" pitchFamily="34" charset="0"/>
-              <a:buChar char="•"/>
-            </a:pPr>
-            <a:r>
-              <a:rPr lang="en-US" dirty="0">
-                <a:latin typeface="Calibri" panose="020F0502020204030204" pitchFamily="34" charset="0"/>
-                <a:cs typeface="Calibri" panose="020F0502020204030204" pitchFamily="34" charset="0"/>
-              </a:rPr>
-              <a:t>Accuracy</a:t>
-            </a:r>
-            <a:r>
-              <a:rPr lang="pt-BR" dirty="0">
-                <a:latin typeface="Calibri" panose="020F0502020204030204" pitchFamily="34" charset="0"/>
-                <a:cs typeface="Calibri" panose="020F0502020204030204" pitchFamily="34" charset="0"/>
-              </a:rPr>
-              <a:t> </a:t>
-            </a:r>
-            <a:r>
-              <a:rPr lang="pt-BR" dirty="0">
-                <a:latin typeface="Calibri" panose="020F0502020204030204" pitchFamily="34" charset="0"/>
-                <a:cs typeface="Calibri" panose="020F0502020204030204" pitchFamily="34" charset="0"/>
-                <a:sym typeface="Wingdings" panose="05000000000000000000" pitchFamily="2" charset="2"/>
-              </a:rPr>
-              <a:t>:  	</a:t>
-            </a:r>
-            <a:r>
-              <a:rPr lang="pt-BR" dirty="0">
-                <a:latin typeface="Calibri" panose="020F0502020204030204" pitchFamily="34" charset="0"/>
-                <a:cs typeface="Calibri" panose="020F0502020204030204" pitchFamily="34" charset="0"/>
-              </a:rPr>
-              <a:t>0.850 </a:t>
-            </a:r>
-          </a:p>
-          <a:p>
-            <a:pPr marL="742950" lvl="1" indent="-285750" algn="just">
-              <a:buFont typeface="Arial" panose="020B0604020202020204" pitchFamily="34" charset="0"/>
-              <a:buChar char="•"/>
-            </a:pPr>
-            <a:r>
-              <a:rPr lang="pt-BR" dirty="0">
-                <a:latin typeface="Calibri" panose="020F0502020204030204" pitchFamily="34" charset="0"/>
-                <a:cs typeface="Calibri" panose="020F0502020204030204" pitchFamily="34" charset="0"/>
-              </a:rPr>
-              <a:t>F1 - Score </a:t>
-            </a:r>
-            <a:r>
-              <a:rPr lang="pt-BR" dirty="0">
-                <a:latin typeface="Calibri" panose="020F0502020204030204" pitchFamily="34" charset="0"/>
-                <a:cs typeface="Calibri" panose="020F0502020204030204" pitchFamily="34" charset="0"/>
-                <a:sym typeface="Wingdings" panose="05000000000000000000" pitchFamily="2" charset="2"/>
-              </a:rPr>
-              <a:t>: 	0.799</a:t>
-            </a:r>
-          </a:p>
-          <a:p>
-            <a:pPr marL="1200150" lvl="2" indent="-285750" algn="just">
-              <a:buFont typeface="Arial" panose="020B0604020202020204" pitchFamily="34" charset="0"/>
-              <a:buChar char="•"/>
-            </a:pPr>
-            <a:r>
-              <a:rPr lang="en-US" dirty="0">
-                <a:latin typeface="Calibri" panose="020F0502020204030204" pitchFamily="34" charset="0"/>
-                <a:cs typeface="Calibri" panose="020F0502020204030204" pitchFamily="34" charset="0"/>
-                <a:sym typeface="Wingdings" panose="05000000000000000000" pitchFamily="2" charset="2"/>
-              </a:rPr>
-              <a:t>Precision</a:t>
-            </a:r>
-            <a:r>
-              <a:rPr lang="pt-BR" dirty="0">
-                <a:latin typeface="Calibri" panose="020F0502020204030204" pitchFamily="34" charset="0"/>
-                <a:cs typeface="Calibri" panose="020F0502020204030204" pitchFamily="34" charset="0"/>
-                <a:sym typeface="Wingdings" panose="05000000000000000000" pitchFamily="2" charset="2"/>
-              </a:rPr>
-              <a:t>: 0.857</a:t>
-            </a:r>
-          </a:p>
-          <a:p>
-            <a:pPr marL="1200150" lvl="2" indent="-285750" algn="just">
-              <a:buFont typeface="Arial" panose="020B0604020202020204" pitchFamily="34" charset="0"/>
-              <a:buChar char="•"/>
-            </a:pPr>
-            <a:r>
-              <a:rPr lang="pt-BR" dirty="0">
-                <a:latin typeface="Calibri" panose="020F0502020204030204" pitchFamily="34" charset="0"/>
-                <a:cs typeface="Calibri" panose="020F0502020204030204" pitchFamily="34" charset="0"/>
-                <a:sym typeface="Wingdings" panose="05000000000000000000" pitchFamily="2" charset="2"/>
-              </a:rPr>
-              <a:t>      Recall: 0.750</a:t>
-            </a:r>
-            <a:endParaRPr lang="en-US" dirty="0">
-              <a:latin typeface="Calibri" panose="020F0502020204030204" pitchFamily="34" charset="0"/>
-              <a:cs typeface="Calibri" panose="020F0502020204030204" pitchFamily="34" charset="0"/>
-            </a:endParaRPr>
           </a:p>
         </p:txBody>
       </p:sp>

--- a/ComputerVision/Lecture 08 - Classification/Lecture 08 - Classification.pptx
+++ b/ComputerVision/Lecture 08 - Classification/Lecture 08 - Classification.pptx
@@ -6,7 +6,7 @@
     <p:sldMasterId id="2147483661" r:id="rId2"/>
   </p:sldMasterIdLst>
   <p:notesMasterIdLst>
-    <p:notesMasterId r:id="rId26"/>
+    <p:notesMasterId r:id="rId29"/>
   </p:notesMasterIdLst>
   <p:sldIdLst>
     <p:sldId id="256" r:id="rId3"/>
@@ -26,12 +26,15 @@
     <p:sldId id="326" r:id="rId17"/>
     <p:sldId id="327" r:id="rId18"/>
     <p:sldId id="315" r:id="rId19"/>
-    <p:sldId id="320" r:id="rId20"/>
-    <p:sldId id="316" r:id="rId21"/>
-    <p:sldId id="321" r:id="rId22"/>
-    <p:sldId id="322" r:id="rId23"/>
-    <p:sldId id="323" r:id="rId24"/>
-    <p:sldId id="324" r:id="rId25"/>
+    <p:sldId id="330" r:id="rId20"/>
+    <p:sldId id="329" r:id="rId21"/>
+    <p:sldId id="328" r:id="rId22"/>
+    <p:sldId id="316" r:id="rId23"/>
+    <p:sldId id="321" r:id="rId24"/>
+    <p:sldId id="322" r:id="rId25"/>
+    <p:sldId id="323" r:id="rId26"/>
+    <p:sldId id="331" r:id="rId27"/>
+    <p:sldId id="324" r:id="rId28"/>
   </p:sldIdLst>
   <p:sldSz cx="10080625" cy="7559675"/>
   <p:notesSz cx="7559675" cy="10691813"/>
@@ -3077,7 +3080,7 @@
     </p:spTree>
     <p:extLst>
       <p:ext uri="{BB962C8B-B14F-4D97-AF65-F5344CB8AC3E}">
-        <p14:creationId xmlns:p14="http://schemas.microsoft.com/office/powerpoint/2010/main" val="3454171095"/>
+        <p14:creationId xmlns:p14="http://schemas.microsoft.com/office/powerpoint/2010/main" val="679010724"/>
       </p:ext>
     </p:extLst>
   </p:cSld>
@@ -3211,7 +3214,7 @@
     </p:spTree>
     <p:extLst>
       <p:ext uri="{BB962C8B-B14F-4D97-AF65-F5344CB8AC3E}">
-        <p14:creationId xmlns:p14="http://schemas.microsoft.com/office/powerpoint/2010/main" val="1473305349"/>
+        <p14:creationId xmlns:p14="http://schemas.microsoft.com/office/powerpoint/2010/main" val="4016518082"/>
       </p:ext>
     </p:extLst>
   </p:cSld>
@@ -3474,7 +3477,7 @@
     </p:spTree>
     <p:extLst>
       <p:ext uri="{BB962C8B-B14F-4D97-AF65-F5344CB8AC3E}">
-        <p14:creationId xmlns:p14="http://schemas.microsoft.com/office/powerpoint/2010/main" val="3574012987"/>
+        <p14:creationId xmlns:p14="http://schemas.microsoft.com/office/powerpoint/2010/main" val="1194173917"/>
       </p:ext>
     </p:extLst>
   </p:cSld>
@@ -3608,7 +3611,7 @@
     </p:spTree>
     <p:extLst>
       <p:ext uri="{BB962C8B-B14F-4D97-AF65-F5344CB8AC3E}">
-        <p14:creationId xmlns:p14="http://schemas.microsoft.com/office/powerpoint/2010/main" val="1497013880"/>
+        <p14:creationId xmlns:p14="http://schemas.microsoft.com/office/powerpoint/2010/main" val="1473305349"/>
       </p:ext>
     </p:extLst>
   </p:cSld>
@@ -3742,6 +3745,274 @@
     </p:spTree>
     <p:extLst>
       <p:ext uri="{BB962C8B-B14F-4D97-AF65-F5344CB8AC3E}">
+        <p14:creationId xmlns:p14="http://schemas.microsoft.com/office/powerpoint/2010/main" val="3574012987"/>
+      </p:ext>
+    </p:extLst>
+  </p:cSld>
+  <p:clrMapOvr>
+    <a:masterClrMapping/>
+  </p:clrMapOvr>
+</p:notes>
+</file>
+
+<file path=ppt/notesSlides/notesSlide23.xml><?xml version="1.0" encoding="utf-8"?>
+<p:notes xmlns:a="http://schemas.openxmlformats.org/drawingml/2006/main" xmlns:r="http://schemas.openxmlformats.org/officeDocument/2006/relationships" xmlns:p="http://schemas.openxmlformats.org/presentationml/2006/main">
+  <p:cSld>
+    <p:spTree>
+      <p:nvGrpSpPr>
+        <p:cNvPr id="1" name=""/>
+        <p:cNvGrpSpPr/>
+        <p:nvPr/>
+      </p:nvGrpSpPr>
+      <p:grpSpPr>
+        <a:xfrm>
+          <a:off x="0" y="0"/>
+          <a:ext cx="0" cy="0"/>
+          <a:chOff x="0" y="0"/>
+          <a:chExt cx="0" cy="0"/>
+        </a:xfrm>
+      </p:grpSpPr>
+      <p:sp>
+        <p:nvSpPr>
+          <p:cNvPr id="168" name="PlaceHolder 1"/>
+          <p:cNvSpPr>
+            <a:spLocks noGrp="1" noRot="1" noChangeAspect="1"/>
+          </p:cNvSpPr>
+          <p:nvPr>
+            <p:ph type="sldImg"/>
+          </p:nvPr>
+        </p:nvSpPr>
+        <p:spPr>
+          <a:xfrm>
+            <a:off x="1376363" y="1336675"/>
+            <a:ext cx="4803775" cy="3603625"/>
+          </a:xfrm>
+          <a:prstGeom prst="rect">
+            <a:avLst/>
+          </a:prstGeom>
+        </p:spPr>
+      </p:sp>
+      <p:sp>
+        <p:nvSpPr>
+          <p:cNvPr id="169" name="PlaceHolder 2"/>
+          <p:cNvSpPr>
+            <a:spLocks noGrp="1"/>
+          </p:cNvSpPr>
+          <p:nvPr>
+            <p:ph type="body"/>
+          </p:nvPr>
+        </p:nvSpPr>
+        <p:spPr>
+          <a:xfrm>
+            <a:off x="756000" y="5145120"/>
+            <a:ext cx="6044040" cy="4206240"/>
+          </a:xfrm>
+          <a:prstGeom prst="rect">
+            <a:avLst/>
+          </a:prstGeom>
+        </p:spPr>
+        <p:txBody>
+          <a:bodyPr lIns="0" tIns="0" rIns="0" bIns="0"/>
+          <a:lstStyle/>
+          <a:p>
+            <a:endParaRPr lang="pt-BR" sz="2000" b="0" strike="noStrike" spc="-1">
+              <a:latin typeface="Arial"/>
+            </a:endParaRPr>
+          </a:p>
+        </p:txBody>
+      </p:sp>
+      <p:sp>
+        <p:nvSpPr>
+          <p:cNvPr id="170" name="CustomShape 3"/>
+          <p:cNvSpPr/>
+          <p:nvPr/>
+        </p:nvSpPr>
+        <p:spPr>
+          <a:xfrm>
+            <a:off x="0" y="10155240"/>
+            <a:ext cx="3272400" cy="532800"/>
+          </a:xfrm>
+          <a:prstGeom prst="rect">
+            <a:avLst/>
+          </a:prstGeom>
+          <a:noFill/>
+          <a:ln>
+            <a:noFill/>
+          </a:ln>
+        </p:spPr>
+        <p:style>
+          <a:lnRef idx="0">
+            <a:scrgbClr r="0" g="0" b="0"/>
+          </a:lnRef>
+          <a:fillRef idx="0">
+            <a:scrgbClr r="0" g="0" b="0"/>
+          </a:fillRef>
+          <a:effectRef idx="0">
+            <a:scrgbClr r="0" g="0" b="0"/>
+          </a:effectRef>
+          <a:fontRef idx="minor"/>
+        </p:style>
+        <p:txBody>
+          <a:bodyPr lIns="90000" tIns="45000" rIns="90000" bIns="45000" anchor="b"/>
+          <a:lstStyle/>
+          <a:p>
+            <a:pPr>
+              <a:lnSpc>
+                <a:spcPct val="100000"/>
+              </a:lnSpc>
+            </a:pPr>
+            <a:r>
+              <a:rPr lang="pt-BR" sz="1200" b="0" strike="noStrike" spc="-1">
+                <a:solidFill>
+                  <a:srgbClr val="000000"/>
+                </a:solidFill>
+                <a:latin typeface="Times New Roman"/>
+              </a:rPr>
+              <a:t>Prof. André Hochuli</a:t>
+            </a:r>
+            <a:endParaRPr lang="pt-BR" sz="1200" b="0" strike="noStrike" spc="-1">
+              <a:latin typeface="Arial"/>
+            </a:endParaRPr>
+          </a:p>
+        </p:txBody>
+      </p:sp>
+    </p:spTree>
+    <p:extLst>
+      <p:ext uri="{BB962C8B-B14F-4D97-AF65-F5344CB8AC3E}">
+        <p14:creationId xmlns:p14="http://schemas.microsoft.com/office/powerpoint/2010/main" val="1497013880"/>
+      </p:ext>
+    </p:extLst>
+  </p:cSld>
+  <p:clrMapOvr>
+    <a:masterClrMapping/>
+  </p:clrMapOvr>
+</p:notes>
+</file>
+
+<file path=ppt/notesSlides/notesSlide24.xml><?xml version="1.0" encoding="utf-8"?>
+<p:notes xmlns:a="http://schemas.openxmlformats.org/drawingml/2006/main" xmlns:r="http://schemas.openxmlformats.org/officeDocument/2006/relationships" xmlns:p="http://schemas.openxmlformats.org/presentationml/2006/main">
+  <p:cSld>
+    <p:spTree>
+      <p:nvGrpSpPr>
+        <p:cNvPr id="1" name=""/>
+        <p:cNvGrpSpPr/>
+        <p:nvPr/>
+      </p:nvGrpSpPr>
+      <p:grpSpPr>
+        <a:xfrm>
+          <a:off x="0" y="0"/>
+          <a:ext cx="0" cy="0"/>
+          <a:chOff x="0" y="0"/>
+          <a:chExt cx="0" cy="0"/>
+        </a:xfrm>
+      </p:grpSpPr>
+      <p:sp>
+        <p:nvSpPr>
+          <p:cNvPr id="168" name="PlaceHolder 1"/>
+          <p:cNvSpPr>
+            <a:spLocks noGrp="1" noRot="1" noChangeAspect="1"/>
+          </p:cNvSpPr>
+          <p:nvPr>
+            <p:ph type="sldImg"/>
+          </p:nvPr>
+        </p:nvSpPr>
+        <p:spPr>
+          <a:xfrm>
+            <a:off x="1376363" y="1336675"/>
+            <a:ext cx="4803775" cy="3603625"/>
+          </a:xfrm>
+          <a:prstGeom prst="rect">
+            <a:avLst/>
+          </a:prstGeom>
+        </p:spPr>
+      </p:sp>
+      <p:sp>
+        <p:nvSpPr>
+          <p:cNvPr id="169" name="PlaceHolder 2"/>
+          <p:cNvSpPr>
+            <a:spLocks noGrp="1"/>
+          </p:cNvSpPr>
+          <p:nvPr>
+            <p:ph type="body"/>
+          </p:nvPr>
+        </p:nvSpPr>
+        <p:spPr>
+          <a:xfrm>
+            <a:off x="756000" y="5145120"/>
+            <a:ext cx="6044040" cy="4206240"/>
+          </a:xfrm>
+          <a:prstGeom prst="rect">
+            <a:avLst/>
+          </a:prstGeom>
+        </p:spPr>
+        <p:txBody>
+          <a:bodyPr lIns="0" tIns="0" rIns="0" bIns="0"/>
+          <a:lstStyle/>
+          <a:p>
+            <a:endParaRPr lang="pt-BR" sz="2000" b="0" strike="noStrike" spc="-1">
+              <a:latin typeface="Arial"/>
+            </a:endParaRPr>
+          </a:p>
+        </p:txBody>
+      </p:sp>
+      <p:sp>
+        <p:nvSpPr>
+          <p:cNvPr id="170" name="CustomShape 3"/>
+          <p:cNvSpPr/>
+          <p:nvPr/>
+        </p:nvSpPr>
+        <p:spPr>
+          <a:xfrm>
+            <a:off x="0" y="10155240"/>
+            <a:ext cx="3272400" cy="532800"/>
+          </a:xfrm>
+          <a:prstGeom prst="rect">
+            <a:avLst/>
+          </a:prstGeom>
+          <a:noFill/>
+          <a:ln>
+            <a:noFill/>
+          </a:ln>
+        </p:spPr>
+        <p:style>
+          <a:lnRef idx="0">
+            <a:scrgbClr r="0" g="0" b="0"/>
+          </a:lnRef>
+          <a:fillRef idx="0">
+            <a:scrgbClr r="0" g="0" b="0"/>
+          </a:fillRef>
+          <a:effectRef idx="0">
+            <a:scrgbClr r="0" g="0" b="0"/>
+          </a:effectRef>
+          <a:fontRef idx="minor"/>
+        </p:style>
+        <p:txBody>
+          <a:bodyPr lIns="90000" tIns="45000" rIns="90000" bIns="45000" anchor="b"/>
+          <a:lstStyle/>
+          <a:p>
+            <a:pPr>
+              <a:lnSpc>
+                <a:spcPct val="100000"/>
+              </a:lnSpc>
+            </a:pPr>
+            <a:r>
+              <a:rPr lang="pt-BR" sz="1200" b="0" strike="noStrike" spc="-1">
+                <a:solidFill>
+                  <a:srgbClr val="000000"/>
+                </a:solidFill>
+                <a:latin typeface="Times New Roman"/>
+              </a:rPr>
+              <a:t>Prof. André Hochuli</a:t>
+            </a:r>
+            <a:endParaRPr lang="pt-BR" sz="1200" b="0" strike="noStrike" spc="-1">
+              <a:latin typeface="Arial"/>
+            </a:endParaRPr>
+          </a:p>
+        </p:txBody>
+      </p:sp>
+    </p:spTree>
+    <p:extLst>
+      <p:ext uri="{BB962C8B-B14F-4D97-AF65-F5344CB8AC3E}">
         <p14:creationId xmlns:p14="http://schemas.microsoft.com/office/powerpoint/2010/main" val="642840284"/>
       </p:ext>
     </p:extLst>
@@ -3752,7 +4023,141 @@
 </p:notes>
 </file>
 
-<file path=ppt/notesSlides/notesSlide23.xml><?xml version="1.0" encoding="utf-8"?>
+<file path=ppt/notesSlides/notesSlide25.xml><?xml version="1.0" encoding="utf-8"?>
+<p:notes xmlns:a="http://schemas.openxmlformats.org/drawingml/2006/main" xmlns:r="http://schemas.openxmlformats.org/officeDocument/2006/relationships" xmlns:p="http://schemas.openxmlformats.org/presentationml/2006/main">
+  <p:cSld>
+    <p:spTree>
+      <p:nvGrpSpPr>
+        <p:cNvPr id="1" name=""/>
+        <p:cNvGrpSpPr/>
+        <p:nvPr/>
+      </p:nvGrpSpPr>
+      <p:grpSpPr>
+        <a:xfrm>
+          <a:off x="0" y="0"/>
+          <a:ext cx="0" cy="0"/>
+          <a:chOff x="0" y="0"/>
+          <a:chExt cx="0" cy="0"/>
+        </a:xfrm>
+      </p:grpSpPr>
+      <p:sp>
+        <p:nvSpPr>
+          <p:cNvPr id="168" name="PlaceHolder 1"/>
+          <p:cNvSpPr>
+            <a:spLocks noGrp="1" noRot="1" noChangeAspect="1"/>
+          </p:cNvSpPr>
+          <p:nvPr>
+            <p:ph type="sldImg"/>
+          </p:nvPr>
+        </p:nvSpPr>
+        <p:spPr>
+          <a:xfrm>
+            <a:off x="1376363" y="1336675"/>
+            <a:ext cx="4803775" cy="3603625"/>
+          </a:xfrm>
+          <a:prstGeom prst="rect">
+            <a:avLst/>
+          </a:prstGeom>
+        </p:spPr>
+      </p:sp>
+      <p:sp>
+        <p:nvSpPr>
+          <p:cNvPr id="169" name="PlaceHolder 2"/>
+          <p:cNvSpPr>
+            <a:spLocks noGrp="1"/>
+          </p:cNvSpPr>
+          <p:nvPr>
+            <p:ph type="body"/>
+          </p:nvPr>
+        </p:nvSpPr>
+        <p:spPr>
+          <a:xfrm>
+            <a:off x="756000" y="5145120"/>
+            <a:ext cx="6044040" cy="4206240"/>
+          </a:xfrm>
+          <a:prstGeom prst="rect">
+            <a:avLst/>
+          </a:prstGeom>
+        </p:spPr>
+        <p:txBody>
+          <a:bodyPr lIns="0" tIns="0" rIns="0" bIns="0"/>
+          <a:lstStyle/>
+          <a:p>
+            <a:endParaRPr lang="pt-BR" sz="2000" b="0" strike="noStrike" spc="-1">
+              <a:latin typeface="Arial"/>
+            </a:endParaRPr>
+          </a:p>
+        </p:txBody>
+      </p:sp>
+      <p:sp>
+        <p:nvSpPr>
+          <p:cNvPr id="170" name="CustomShape 3"/>
+          <p:cNvSpPr/>
+          <p:nvPr/>
+        </p:nvSpPr>
+        <p:spPr>
+          <a:xfrm>
+            <a:off x="0" y="10155240"/>
+            <a:ext cx="3272400" cy="532800"/>
+          </a:xfrm>
+          <a:prstGeom prst="rect">
+            <a:avLst/>
+          </a:prstGeom>
+          <a:noFill/>
+          <a:ln>
+            <a:noFill/>
+          </a:ln>
+        </p:spPr>
+        <p:style>
+          <a:lnRef idx="0">
+            <a:scrgbClr r="0" g="0" b="0"/>
+          </a:lnRef>
+          <a:fillRef idx="0">
+            <a:scrgbClr r="0" g="0" b="0"/>
+          </a:fillRef>
+          <a:effectRef idx="0">
+            <a:scrgbClr r="0" g="0" b="0"/>
+          </a:effectRef>
+          <a:fontRef idx="minor"/>
+        </p:style>
+        <p:txBody>
+          <a:bodyPr lIns="90000" tIns="45000" rIns="90000" bIns="45000" anchor="b"/>
+          <a:lstStyle/>
+          <a:p>
+            <a:pPr>
+              <a:lnSpc>
+                <a:spcPct val="100000"/>
+              </a:lnSpc>
+            </a:pPr>
+            <a:r>
+              <a:rPr lang="pt-BR" sz="1200" b="0" strike="noStrike" spc="-1">
+                <a:solidFill>
+                  <a:srgbClr val="000000"/>
+                </a:solidFill>
+                <a:latin typeface="Times New Roman"/>
+              </a:rPr>
+              <a:t>Prof. André Hochuli</a:t>
+            </a:r>
+            <a:endParaRPr lang="pt-BR" sz="1200" b="0" strike="noStrike" spc="-1">
+              <a:latin typeface="Arial"/>
+            </a:endParaRPr>
+          </a:p>
+        </p:txBody>
+      </p:sp>
+    </p:spTree>
+    <p:extLst>
+      <p:ext uri="{BB962C8B-B14F-4D97-AF65-F5344CB8AC3E}">
+        <p14:creationId xmlns:p14="http://schemas.microsoft.com/office/powerpoint/2010/main" val="3209438064"/>
+      </p:ext>
+    </p:extLst>
+  </p:cSld>
+  <p:clrMapOvr>
+    <a:masterClrMapping/>
+  </p:clrMapOvr>
+</p:notes>
+</file>
+
+<file path=ppt/notesSlides/notesSlide26.xml><?xml version="1.0" encoding="utf-8"?>
 <p:notes xmlns:a="http://schemas.openxmlformats.org/drawingml/2006/main" xmlns:r="http://schemas.openxmlformats.org/officeDocument/2006/relationships" xmlns:p="http://schemas.openxmlformats.org/presentationml/2006/main">
   <p:cSld>
     <p:spTree>
@@ -9816,8 +10221,8 @@
         </p:blipFill>
         <p:spPr>
           <a:xfrm>
-            <a:off x="749033" y="2984406"/>
-            <a:ext cx="3651517" cy="1283949"/>
+            <a:off x="1083829" y="2972501"/>
+            <a:ext cx="3137167" cy="1103093"/>
           </a:xfrm>
           <a:prstGeom prst="rect">
             <a:avLst/>
@@ -9876,8 +10281,8 @@
         </p:blipFill>
         <p:spPr>
           <a:xfrm>
-            <a:off x="6034436" y="3042930"/>
-            <a:ext cx="2715004" cy="2181529"/>
+            <a:off x="5192712" y="2496167"/>
+            <a:ext cx="3709128" cy="2980316"/>
           </a:xfrm>
           <a:prstGeom prst="rect">
             <a:avLst/>
@@ -11334,7 +11739,7 @@
                 <a:latin typeface="Calibri" panose="020F0502020204030204" pitchFamily="34" charset="0"/>
                 <a:cs typeface="Calibri" panose="020F0502020204030204" pitchFamily="34" charset="0"/>
               </a:rPr>
-              <a:t>Creates decision rules direct from the data features</a:t>
+              <a:t>Creates decision rules from the data features</a:t>
             </a:r>
           </a:p>
           <a:p>
@@ -12029,7 +12434,7 @@
         <p:spPr>
           <a:xfrm>
             <a:off x="200025" y="1742667"/>
-            <a:ext cx="9516375" cy="923330"/>
+            <a:ext cx="9516375" cy="369332"/>
           </a:xfrm>
           <a:prstGeom prst="rect">
             <a:avLst/>
@@ -12051,30 +12456,7 @@
                 <a:latin typeface="Calibri" panose="020F0502020204030204" pitchFamily="34" charset="0"/>
                 <a:cs typeface="Calibri" panose="020F0502020204030204" pitchFamily="34" charset="0"/>
               </a:rPr>
-              <a:t>Compute Kernel: Linear, RBF, Poly or Sigmoid</a:t>
-            </a:r>
-          </a:p>
-          <a:p>
-            <a:pPr marL="742950" lvl="1" indent="-285750">
-              <a:buFont typeface="Arial" panose="020B0604020202020204" pitchFamily="34" charset="0"/>
-              <a:buChar char="•"/>
-            </a:pPr>
-            <a:endParaRPr lang="en-US" dirty="0">
-              <a:latin typeface="Calibri" panose="020F0502020204030204" pitchFamily="34" charset="0"/>
-              <a:cs typeface="Calibri" panose="020F0502020204030204" pitchFamily="34" charset="0"/>
-            </a:endParaRPr>
-          </a:p>
-          <a:p>
-            <a:pPr marL="285750" indent="-285750">
-              <a:buFont typeface="Arial" panose="020B0604020202020204" pitchFamily="34" charset="0"/>
-              <a:buChar char="•"/>
-            </a:pPr>
-            <a:r>
-              <a:rPr lang="en-US" dirty="0">
-                <a:latin typeface="Calibri" panose="020F0502020204030204" pitchFamily="34" charset="0"/>
-                <a:cs typeface="Calibri" panose="020F0502020204030204" pitchFamily="34" charset="0"/>
-              </a:rPr>
-              <a:t>The clusters are defined in training step</a:t>
+              <a:t>The support vectors determine the decision boundary</a:t>
             </a:r>
           </a:p>
         </p:txBody>
@@ -12108,8 +12490,8 @@
         </p:blipFill>
         <p:spPr bwMode="auto">
           <a:xfrm>
-            <a:off x="3382675" y="2665997"/>
-            <a:ext cx="4225925" cy="3709504"/>
+            <a:off x="2730500" y="2322933"/>
+            <a:ext cx="4406900" cy="3868364"/>
           </a:xfrm>
           <a:prstGeom prst="rect">
             <a:avLst/>
@@ -12388,12 +12770,54 @@
           </a:p>
         </p:txBody>
       </p:sp>
+      <p:sp>
+        <p:nvSpPr>
+          <p:cNvPr id="2" name="CaixaDeTexto 1">
+            <a:extLst>
+              <a:ext uri="{FF2B5EF4-FFF2-40B4-BE49-F238E27FC236}">
+                <a16:creationId xmlns:a16="http://schemas.microsoft.com/office/drawing/2014/main" id="{D744B707-1B4A-5A5F-CC17-5C9D8382FBD9}"/>
+              </a:ext>
+            </a:extLst>
+          </p:cNvPr>
+          <p:cNvSpPr txBox="1"/>
+          <p:nvPr/>
+        </p:nvSpPr>
+        <p:spPr>
+          <a:xfrm>
+            <a:off x="200025" y="1742667"/>
+            <a:ext cx="9516375" cy="369332"/>
+          </a:xfrm>
+          <a:prstGeom prst="rect">
+            <a:avLst/>
+          </a:prstGeom>
+          <a:noFill/>
+        </p:spPr>
+        <p:txBody>
+          <a:bodyPr wrap="square" rtlCol="0">
+            <a:spAutoFit/>
+          </a:bodyPr>
+          <a:lstStyle/>
+          <a:p>
+            <a:pPr marL="285750" indent="-285750">
+              <a:buFont typeface="Arial" panose="020B0604020202020204" pitchFamily="34" charset="0"/>
+              <a:buChar char="•"/>
+            </a:pPr>
+            <a:r>
+              <a:rPr lang="en-US" dirty="0">
+                <a:latin typeface="Calibri" panose="020F0502020204030204" pitchFamily="34" charset="0"/>
+                <a:cs typeface="Calibri" panose="020F0502020204030204" pitchFamily="34" charset="0"/>
+              </a:rPr>
+              <a:t>The support vectors determine the decision boundary</a:t>
+            </a:r>
+          </a:p>
+        </p:txBody>
+      </p:sp>
       <p:grpSp>
         <p:nvGrpSpPr>
-          <p:cNvPr id="4" name="Agrupar 3">
+          <p:cNvPr id="12" name="Agrupar 11">
             <a:extLst>
               <a:ext uri="{FF2B5EF4-FFF2-40B4-BE49-F238E27FC236}">
-                <a16:creationId xmlns:a16="http://schemas.microsoft.com/office/drawing/2014/main" id="{A929706B-CF97-6A24-9824-2923B9FAC31A}"/>
+                <a16:creationId xmlns:a16="http://schemas.microsoft.com/office/drawing/2014/main" id="{B4B09F72-7F66-47F8-8DD5-7FF6F7F91B14}"/>
               </a:ext>
             </a:extLst>
           </p:cNvPr>
@@ -12402,18 +12826,18 @@
         </p:nvGrpSpPr>
         <p:grpSpPr>
           <a:xfrm>
-            <a:off x="754411" y="2817266"/>
-            <a:ext cx="8571802" cy="3314691"/>
+            <a:off x="749300" y="2856751"/>
+            <a:ext cx="8189407" cy="3604345"/>
             <a:chOff x="-2113" y="1648715"/>
             <a:chExt cx="10080625" cy="4845050"/>
           </a:xfrm>
         </p:grpSpPr>
         <p:pic>
           <p:nvPicPr>
-            <p:cNvPr id="11266" name="Picture 2" descr="Using Support Vector Machines for Survey Research | Published in Survey  Practice">
+            <p:cNvPr id="13" name="Picture 2" descr="Using Support Vector Machines for Survey Research | Published in Survey  Practice">
               <a:extLst>
                 <a:ext uri="{FF2B5EF4-FFF2-40B4-BE49-F238E27FC236}">
-                  <a16:creationId xmlns:a16="http://schemas.microsoft.com/office/drawing/2014/main" id="{82693C1B-10D3-50F9-C02A-3B8393789CB9}"/>
+                  <a16:creationId xmlns:a16="http://schemas.microsoft.com/office/drawing/2014/main" id="{7F472503-23E8-4694-AE3E-AB8C2640B5CB}"/>
                 </a:ext>
               </a:extLst>
             </p:cNvPr>
@@ -12457,10 +12881,10 @@
         </p:pic>
         <p:sp>
           <p:nvSpPr>
-            <p:cNvPr id="3" name="Forma Livre: Forma 2">
+            <p:cNvPr id="14" name="Forma Livre: Forma 13">
               <a:extLst>
                 <a:ext uri="{FF2B5EF4-FFF2-40B4-BE49-F238E27FC236}">
-                  <a16:creationId xmlns:a16="http://schemas.microsoft.com/office/drawing/2014/main" id="{E7F0FC4F-4E7D-6AF3-DC05-C9500C744DD7}"/>
+                  <a16:creationId xmlns:a16="http://schemas.microsoft.com/office/drawing/2014/main" id="{24E33930-D40E-4B87-AA0C-1F1CC7CFE6A6}"/>
                 </a:ext>
               </a:extLst>
             </p:cNvPr>
@@ -12631,10 +13055,10 @@
       </p:grpSp>
       <p:sp>
         <p:nvSpPr>
-          <p:cNvPr id="5" name="CaixaDeTexto 4">
+          <p:cNvPr id="15" name="CaixaDeTexto 14">
             <a:extLst>
               <a:ext uri="{FF2B5EF4-FFF2-40B4-BE49-F238E27FC236}">
-                <a16:creationId xmlns:a16="http://schemas.microsoft.com/office/drawing/2014/main" id="{010F53B1-8033-6282-B3FD-0F46E1E485EE}"/>
+                <a16:creationId xmlns:a16="http://schemas.microsoft.com/office/drawing/2014/main" id="{A43E371C-8B68-4540-B894-3E0EB800E6C3}"/>
               </a:ext>
             </a:extLst>
           </p:cNvPr>
@@ -12643,7 +13067,7 @@
         </p:nvSpPr>
         <p:spPr>
           <a:xfrm>
-            <a:off x="2390775" y="2480757"/>
+            <a:off x="2275067" y="2536983"/>
             <a:ext cx="1454244" cy="369332"/>
           </a:xfrm>
           <a:prstGeom prst="rect">
@@ -12671,10 +13095,10 @@
       </p:sp>
       <p:sp>
         <p:nvSpPr>
-          <p:cNvPr id="6" name="CaixaDeTexto 5">
+          <p:cNvPr id="16" name="CaixaDeTexto 15">
             <a:extLst>
               <a:ext uri="{FF2B5EF4-FFF2-40B4-BE49-F238E27FC236}">
-                <a16:creationId xmlns:a16="http://schemas.microsoft.com/office/drawing/2014/main" id="{A132CBA2-5568-5ECE-75C4-6053468F9C69}"/>
+                <a16:creationId xmlns:a16="http://schemas.microsoft.com/office/drawing/2014/main" id="{B7455355-9557-46D4-AEC9-51E18697401D}"/>
               </a:ext>
             </a:extLst>
           </p:cNvPr>
@@ -12683,7 +13107,7 @@
         </p:nvSpPr>
         <p:spPr>
           <a:xfrm>
-            <a:off x="6658522" y="2480757"/>
+            <a:off x="6378015" y="2545476"/>
             <a:ext cx="1364476" cy="369332"/>
           </a:xfrm>
           <a:prstGeom prst="rect">
@@ -12712,7 +13136,7 @@
     </p:spTree>
     <p:extLst>
       <p:ext uri="{BB962C8B-B14F-4D97-AF65-F5344CB8AC3E}">
-        <p14:creationId xmlns:p14="http://schemas.microsoft.com/office/powerpoint/2010/main" val="240622514"/>
+        <p14:creationId xmlns:p14="http://schemas.microsoft.com/office/powerpoint/2010/main" val="1594349296"/>
       </p:ext>
     </p:extLst>
   </p:cSld>
@@ -12819,7 +13243,7 @@
                 </a:solidFill>
                 <a:latin typeface="Latin Modern Sans"/>
               </a:rPr>
-              <a:t>Multi-Layer Perceptron</a:t>
+              <a:t>Support Vector Machine (SVM)</a:t>
             </a:r>
             <a:endParaRPr lang="en-US" sz="3200" b="0" strike="noStrike" spc="-1" dirty="0">
               <a:latin typeface="Arial"/>
@@ -12986,7 +13410,7 @@
         <p:spPr>
           <a:xfrm>
             <a:off x="200025" y="1742667"/>
-            <a:ext cx="9516375" cy="646331"/>
+            <a:ext cx="9516375" cy="369332"/>
           </a:xfrm>
           <a:prstGeom prst="rect">
             <a:avLst/>
@@ -13008,24 +13432,17 @@
                 <a:latin typeface="Calibri" panose="020F0502020204030204" pitchFamily="34" charset="0"/>
                 <a:cs typeface="Calibri" panose="020F0502020204030204" pitchFamily="34" charset="0"/>
               </a:rPr>
-              <a:t>Perceptron</a:t>
-            </a:r>
-          </a:p>
-          <a:p>
-            <a:pPr lvl="1"/>
-            <a:endParaRPr lang="en-US" dirty="0">
-              <a:latin typeface="Calibri" panose="020F0502020204030204" pitchFamily="34" charset="0"/>
-              <a:cs typeface="Calibri" panose="020F0502020204030204" pitchFamily="34" charset="0"/>
-            </a:endParaRPr>
+              <a:t>Kernels</a:t>
+            </a:r>
           </a:p>
         </p:txBody>
       </p:sp>
       <p:pic>
         <p:nvPicPr>
-          <p:cNvPr id="5" name="Imagem 4">
+          <p:cNvPr id="8" name="Imagem 7">
             <a:extLst>
               <a:ext uri="{FF2B5EF4-FFF2-40B4-BE49-F238E27FC236}">
-                <a16:creationId xmlns:a16="http://schemas.microsoft.com/office/drawing/2014/main" id="{E4076F14-B852-2892-EA25-E77F103664B5}"/>
+                <a16:creationId xmlns:a16="http://schemas.microsoft.com/office/drawing/2014/main" id="{D9BC30BE-ED98-4FAB-B750-CF72F882C9CF}"/>
               </a:ext>
             </a:extLst>
           </p:cNvPr>
@@ -13035,25 +13452,151 @@
           <p:nvPr/>
         </p:nvPicPr>
         <p:blipFill>
-          <a:blip r:embed="rId3"/>
+          <a:blip r:embed="rId4"/>
           <a:stretch>
             <a:fillRect/>
           </a:stretch>
         </p:blipFill>
         <p:spPr>
           <a:xfrm>
-            <a:off x="1500245" y="2388998"/>
-            <a:ext cx="6915934" cy="3844872"/>
+            <a:off x="1274850" y="4037823"/>
+            <a:ext cx="3350495" cy="2671491"/>
           </a:xfrm>
           <a:prstGeom prst="rect">
             <a:avLst/>
           </a:prstGeom>
         </p:spPr>
       </p:pic>
+      <p:graphicFrame>
+        <p:nvGraphicFramePr>
+          <p:cNvPr id="11" name="Objeto 10">
+            <a:extLst>
+              <a:ext uri="{FF2B5EF4-FFF2-40B4-BE49-F238E27FC236}">
+                <a16:creationId xmlns:a16="http://schemas.microsoft.com/office/drawing/2014/main" id="{4806C0BA-3684-4B7D-8D4E-EAB2C8F879ED}"/>
+              </a:ext>
+            </a:extLst>
+          </p:cNvPr>
+          <p:cNvGraphicFramePr>
+            <a:graphicFrameLocks noChangeAspect="1"/>
+          </p:cNvGraphicFramePr>
+          <p:nvPr>
+            <p:extLst>
+              <p:ext uri="{D42A27DB-BD31-4B8C-83A1-F6EECF244321}">
+                <p14:modId xmlns:p14="http://schemas.microsoft.com/office/powerpoint/2010/main" val="1908623662"/>
+              </p:ext>
+            </p:extLst>
+          </p:nvPr>
+        </p:nvGraphicFramePr>
+        <p:xfrm>
+          <a:off x="5687522" y="3886176"/>
+          <a:ext cx="3306476" cy="2874181"/>
+        </p:xfrm>
+        <a:graphic>
+          <a:graphicData uri="http://schemas.openxmlformats.org/presentationml/2006/ole">
+            <mc:AlternateContent xmlns:mc="http://schemas.openxmlformats.org/markup-compatibility/2006">
+              <mc:Choice xmlns:v="urn:schemas-microsoft-com:vml" Requires="v">
+                <p:oleObj spid="_x0000_s2053" name="Bitmap Image" r:id="rId5" imgW="2695680" imgH="2343240" progId="PBrush">
+                  <p:embed/>
+                </p:oleObj>
+              </mc:Choice>
+              <mc:Fallback>
+                <p:oleObj name="Bitmap Image" r:id="rId5" imgW="2695680" imgH="2343240" progId="PBrush">
+                  <p:embed/>
+                  <p:pic>
+                    <p:nvPicPr>
+                      <p:cNvPr id="0" name=""/>
+                      <p:cNvPicPr/>
+                      <p:nvPr/>
+                    </p:nvPicPr>
+                    <p:blipFill>
+                      <a:blip r:embed="rId6"/>
+                      <a:stretch>
+                        <a:fillRect/>
+                      </a:stretch>
+                    </p:blipFill>
+                    <p:spPr>
+                      <a:xfrm>
+                        <a:off x="5687522" y="3886176"/>
+                        <a:ext cx="3306476" cy="2874181"/>
+                      </a:xfrm>
+                      <a:prstGeom prst="rect">
+                        <a:avLst/>
+                      </a:prstGeom>
+                    </p:spPr>
+                  </p:pic>
+                </p:oleObj>
+              </mc:Fallback>
+            </mc:AlternateContent>
+          </a:graphicData>
+        </a:graphic>
+      </p:graphicFrame>
+      <p:graphicFrame>
+        <p:nvGraphicFramePr>
+          <p:cNvPr id="3" name="Objeto 2">
+            <a:extLst>
+              <a:ext uri="{FF2B5EF4-FFF2-40B4-BE49-F238E27FC236}">
+                <a16:creationId xmlns:a16="http://schemas.microsoft.com/office/drawing/2014/main" id="{96336809-3161-48D3-8B38-E08194F12F79}"/>
+              </a:ext>
+            </a:extLst>
+          </p:cNvPr>
+          <p:cNvGraphicFramePr>
+            <a:graphicFrameLocks noChangeAspect="1"/>
+          </p:cNvGraphicFramePr>
+          <p:nvPr>
+            <p:extLst>
+              <p:ext uri="{D42A27DB-BD31-4B8C-83A1-F6EECF244321}">
+                <p14:modId xmlns:p14="http://schemas.microsoft.com/office/powerpoint/2010/main" val="821423115"/>
+              </p:ext>
+            </p:extLst>
+          </p:nvPr>
+        </p:nvGraphicFramePr>
+        <p:xfrm>
+          <a:off x="3343055" y="1507183"/>
+          <a:ext cx="3306476" cy="2745661"/>
+        </p:xfrm>
+        <a:graphic>
+          <a:graphicData uri="http://schemas.openxmlformats.org/presentationml/2006/ole">
+            <mc:AlternateContent xmlns:mc="http://schemas.openxmlformats.org/markup-compatibility/2006">
+              <mc:Choice xmlns:v="urn:schemas-microsoft-com:vml" Requires="v">
+                <p:oleObj spid="_x0000_s2054" name="Bitmap Image" r:id="rId7" imgW="2695680" imgH="2238480" progId="PBrush">
+                  <p:embed/>
+                </p:oleObj>
+              </mc:Choice>
+              <mc:Fallback>
+                <p:oleObj name="Bitmap Image" r:id="rId7" imgW="2695680" imgH="2238480" progId="PBrush">
+                  <p:embed/>
+                  <p:pic>
+                    <p:nvPicPr>
+                      <p:cNvPr id="0" name=""/>
+                      <p:cNvPicPr/>
+                      <p:nvPr/>
+                    </p:nvPicPr>
+                    <p:blipFill>
+                      <a:blip r:embed="rId8"/>
+                      <a:stretch>
+                        <a:fillRect/>
+                      </a:stretch>
+                    </p:blipFill>
+                    <p:spPr>
+                      <a:xfrm>
+                        <a:off x="3343055" y="1507183"/>
+                        <a:ext cx="3306476" cy="2745661"/>
+                      </a:xfrm>
+                      <a:prstGeom prst="rect">
+                        <a:avLst/>
+                      </a:prstGeom>
+                    </p:spPr>
+                  </p:pic>
+                </p:oleObj>
+              </mc:Fallback>
+            </mc:AlternateContent>
+          </a:graphicData>
+        </a:graphic>
+      </p:graphicFrame>
     </p:spTree>
     <p:extLst>
       <p:ext uri="{BB962C8B-B14F-4D97-AF65-F5344CB8AC3E}">
-        <p14:creationId xmlns:p14="http://schemas.microsoft.com/office/powerpoint/2010/main" val="116117442"/>
+        <p14:creationId xmlns:p14="http://schemas.microsoft.com/office/powerpoint/2010/main" val="2070401321"/>
       </p:ext>
     </p:extLst>
   </p:cSld>
@@ -13716,7 +14259,7 @@
                 </a:solidFill>
                 <a:latin typeface="Latin Modern Sans"/>
               </a:rPr>
-              <a:t>Multi-Layer Perceptron</a:t>
+              <a:t>Support Vector Machine (SVM)</a:t>
             </a:r>
             <a:endParaRPr lang="en-US" sz="3200" b="0" strike="noStrike" spc="-1" dirty="0">
               <a:latin typeface="Arial"/>
@@ -13868,73 +14411,37 @@
           </a:p>
         </p:txBody>
       </p:sp>
-      <p:sp>
-        <p:nvSpPr>
-          <p:cNvPr id="2" name="CaixaDeTexto 1">
+      <p:pic>
+        <p:nvPicPr>
+          <p:cNvPr id="1026" name="Picture 2">
             <a:extLst>
               <a:ext uri="{FF2B5EF4-FFF2-40B4-BE49-F238E27FC236}">
-                <a16:creationId xmlns:a16="http://schemas.microsoft.com/office/drawing/2014/main" id="{D744B707-1B4A-5A5F-CC17-5C9D8382FBD9}"/>
+                <a16:creationId xmlns:a16="http://schemas.microsoft.com/office/drawing/2014/main" id="{543B9302-3B07-4C90-99A5-67DEADBCDC4C}"/>
               </a:ext>
             </a:extLst>
           </p:cNvPr>
-          <p:cNvSpPr txBox="1"/>
+          <p:cNvPicPr>
+            <a:picLocks noChangeAspect="1" noChangeArrowheads="1"/>
+          </p:cNvPicPr>
           <p:nvPr/>
-        </p:nvSpPr>
-        <p:spPr>
-          <a:xfrm>
-            <a:off x="200025" y="1742667"/>
-            <a:ext cx="9516375" cy="646331"/>
-          </a:xfrm>
-          <a:prstGeom prst="rect">
-            <a:avLst/>
-          </a:prstGeom>
-          <a:noFill/>
-        </p:spPr>
-        <p:txBody>
-          <a:bodyPr wrap="square" rtlCol="0">
-            <a:spAutoFit/>
-          </a:bodyPr>
-          <a:lstStyle/>
-          <a:p>
-            <a:pPr marL="285750" indent="-285750">
-              <a:buFont typeface="Arial" panose="020B0604020202020204" pitchFamily="34" charset="0"/>
-              <a:buChar char="•"/>
-            </a:pPr>
-            <a:r>
-              <a:rPr lang="en-US" dirty="0">
-                <a:latin typeface="Calibri" panose="020F0502020204030204" pitchFamily="34" charset="0"/>
-                <a:cs typeface="Calibri" panose="020F0502020204030204" pitchFamily="34" charset="0"/>
-              </a:rPr>
-              <a:t>Multi-Layer Perceptron (MLP)</a:t>
-            </a:r>
-          </a:p>
-          <a:p>
-            <a:pPr lvl="1"/>
-            <a:endParaRPr lang="en-US" dirty="0">
-              <a:latin typeface="Calibri" panose="020F0502020204030204" pitchFamily="34" charset="0"/>
-              <a:cs typeface="Calibri" panose="020F0502020204030204" pitchFamily="34" charset="0"/>
-            </a:endParaRPr>
-          </a:p>
-        </p:txBody>
-      </p:sp>
-      <p:sp>
-        <p:nvSpPr>
-          <p:cNvPr id="3" name="AutoShape 6" descr="Illustration of the two phases of the Backpropagation method in a MLP... |  Download Scientific Diagram">
+        </p:nvPicPr>
+        <p:blipFill>
+          <a:blip r:embed="rId3">
             <a:extLst>
-              <a:ext uri="{FF2B5EF4-FFF2-40B4-BE49-F238E27FC236}">
-                <a16:creationId xmlns:a16="http://schemas.microsoft.com/office/drawing/2014/main" id="{3CA5969D-ED96-9D41-4201-E4C33EFE2F41}"/>
+              <a:ext uri="{28A0092B-C50C-407E-A947-70E740481C1C}">
+                <a14:useLocalDpi xmlns:a14="http://schemas.microsoft.com/office/drawing/2010/main" val="0"/>
               </a:ext>
             </a:extLst>
-          </p:cNvPr>
-          <p:cNvSpPr>
-            <a:spLocks noChangeAspect="1" noChangeArrowheads="1"/>
-          </p:cNvSpPr>
-          <p:nvPr/>
-        </p:nvSpPr>
+          </a:blip>
+          <a:srcRect/>
+          <a:stretch>
+            <a:fillRect/>
+          </a:stretch>
+        </p:blipFill>
         <p:spPr bwMode="auto">
           <a:xfrm>
-            <a:off x="4887913" y="3627438"/>
-            <a:ext cx="304800" cy="304800"/>
+            <a:off x="1028700" y="2191402"/>
+            <a:ext cx="7728992" cy="4463398"/>
           </a:xfrm>
           <a:prstGeom prst="rect">
             <a:avLst/>
@@ -13950,52 +14457,53 @@
             </a:ext>
           </a:extLst>
         </p:spPr>
-        <p:txBody>
-          <a:bodyPr vert="horz" wrap="square" lIns="91440" tIns="45720" rIns="91440" bIns="45720" numCol="1" anchor="t" anchorCtr="0" compatLnSpc="1">
-            <a:prstTxWarp prst="textNoShape">
-              <a:avLst/>
-            </a:prstTxWarp>
-          </a:bodyPr>
-          <a:lstStyle/>
-          <a:p>
-            <a:endParaRPr lang="pt-BR"/>
-          </a:p>
-        </p:txBody>
-      </p:sp>
-      <p:pic>
-        <p:nvPicPr>
-          <p:cNvPr id="13" name="Imagem 12">
+      </p:pic>
+      <p:sp>
+        <p:nvSpPr>
+          <p:cNvPr id="13" name="CaixaDeTexto 12">
             <a:extLst>
               <a:ext uri="{FF2B5EF4-FFF2-40B4-BE49-F238E27FC236}">
-                <a16:creationId xmlns:a16="http://schemas.microsoft.com/office/drawing/2014/main" id="{B7174395-31FF-A83E-A9FD-BD8AC621F6DF}"/>
+                <a16:creationId xmlns:a16="http://schemas.microsoft.com/office/drawing/2014/main" id="{58B05AB7-1D22-450D-A7BC-852D7C9E1299}"/>
               </a:ext>
             </a:extLst>
           </p:cNvPr>
-          <p:cNvPicPr>
-            <a:picLocks noChangeAspect="1"/>
-          </p:cNvPicPr>
+          <p:cNvSpPr txBox="1"/>
           <p:nvPr/>
-        </p:nvPicPr>
-        <p:blipFill>
-          <a:blip r:embed="rId3"/>
-          <a:stretch>
-            <a:fillRect/>
-          </a:stretch>
-        </p:blipFill>
-        <p:spPr>
-          <a:xfrm>
-            <a:off x="1058862" y="2446340"/>
-            <a:ext cx="8096250" cy="3924300"/>
-          </a:xfrm>
-          <a:prstGeom prst="rect">
-            <a:avLst/>
-          </a:prstGeom>
-        </p:spPr>
-      </p:pic>
+        </p:nvSpPr>
+        <p:spPr>
+          <a:xfrm>
+            <a:off x="200025" y="1719235"/>
+            <a:ext cx="1946275" cy="369332"/>
+          </a:xfrm>
+          <a:prstGeom prst="rect">
+            <a:avLst/>
+          </a:prstGeom>
+          <a:noFill/>
+        </p:spPr>
+        <p:txBody>
+          <a:bodyPr wrap="square" rtlCol="0">
+            <a:spAutoFit/>
+          </a:bodyPr>
+          <a:lstStyle/>
+          <a:p>
+            <a:pPr marL="285750" indent="-285750">
+              <a:buFont typeface="Arial" panose="020B0604020202020204" pitchFamily="34" charset="0"/>
+              <a:buChar char="•"/>
+            </a:pPr>
+            <a:r>
+              <a:rPr lang="en-US" dirty="0">
+                <a:latin typeface="Calibri" panose="020F0502020204030204" pitchFamily="34" charset="0"/>
+                <a:cs typeface="Calibri" panose="020F0502020204030204" pitchFamily="34" charset="0"/>
+              </a:rPr>
+              <a:t>Kernel Trick</a:t>
+            </a:r>
+          </a:p>
+        </p:txBody>
+      </p:sp>
     </p:spTree>
     <p:extLst>
       <p:ext uri="{BB962C8B-B14F-4D97-AF65-F5344CB8AC3E}">
-        <p14:creationId xmlns:p14="http://schemas.microsoft.com/office/powerpoint/2010/main" val="901375044"/>
+        <p14:creationId xmlns:p14="http://schemas.microsoft.com/office/powerpoint/2010/main" val="2916650068"/>
       </p:ext>
     </p:extLst>
   </p:cSld>
@@ -14049,6 +14557,733 @@
           <a:chExt cx="0" cy="0"/>
         </a:xfrm>
       </p:grpSpPr>
+      <p:sp>
+        <p:nvSpPr>
+          <p:cNvPr id="99" name="CustomShape 1"/>
+          <p:cNvSpPr/>
+          <p:nvPr/>
+        </p:nvSpPr>
+        <p:spPr>
+          <a:xfrm>
+            <a:off x="360000" y="360000"/>
+            <a:ext cx="9356400" cy="896400"/>
+          </a:xfrm>
+          <a:prstGeom prst="rect">
+            <a:avLst/>
+          </a:prstGeom>
+          <a:noFill/>
+          <a:ln>
+            <a:noFill/>
+          </a:ln>
+        </p:spPr>
+        <p:style>
+          <a:lnRef idx="0">
+            <a:scrgbClr r="0" g="0" b="0"/>
+          </a:lnRef>
+          <a:fillRef idx="0">
+            <a:scrgbClr r="0" g="0" b="0"/>
+          </a:fillRef>
+          <a:effectRef idx="0">
+            <a:scrgbClr r="0" g="0" b="0"/>
+          </a:effectRef>
+          <a:fontRef idx="minor"/>
+        </p:style>
+        <p:txBody>
+          <a:bodyPr lIns="0" tIns="0" rIns="0" bIns="0" anchor="b"/>
+          <a:lstStyle/>
+          <a:p>
+            <a:r>
+              <a:rPr lang="en-US" sz="3200" b="1" spc="-1" dirty="0">
+                <a:solidFill>
+                  <a:srgbClr val="FFFFFF"/>
+                </a:solidFill>
+                <a:latin typeface="Latin Modern Sans"/>
+              </a:rPr>
+              <a:t>Classification  Models</a:t>
+            </a:r>
+          </a:p>
+          <a:p>
+            <a:r>
+              <a:rPr lang="en-US" sz="3200" b="1" strike="noStrike" spc="-1" dirty="0">
+                <a:solidFill>
+                  <a:srgbClr val="FFFFFF"/>
+                </a:solidFill>
+                <a:latin typeface="Latin Modern Sans"/>
+              </a:rPr>
+              <a:t>Multi-Layer Perceptron</a:t>
+            </a:r>
+            <a:endParaRPr lang="en-US" sz="3200" b="0" strike="noStrike" spc="-1" dirty="0">
+              <a:latin typeface="Arial"/>
+            </a:endParaRPr>
+          </a:p>
+        </p:txBody>
+      </p:sp>
+      <p:sp>
+        <p:nvSpPr>
+          <p:cNvPr id="9" name="CustomShape 2">
+            <a:extLst>
+              <a:ext uri="{FF2B5EF4-FFF2-40B4-BE49-F238E27FC236}">
+                <a16:creationId xmlns:a16="http://schemas.microsoft.com/office/drawing/2014/main" id="{7D27D924-BAD9-59EB-0956-442C5E618C62}"/>
+              </a:ext>
+            </a:extLst>
+          </p:cNvPr>
+          <p:cNvSpPr/>
+          <p:nvPr/>
+        </p:nvSpPr>
+        <p:spPr>
+          <a:xfrm>
+            <a:off x="897120" y="6886080"/>
+            <a:ext cx="6443640" cy="361440"/>
+          </a:xfrm>
+          <a:prstGeom prst="rect">
+            <a:avLst/>
+          </a:prstGeom>
+          <a:noFill/>
+          <a:ln>
+            <a:noFill/>
+          </a:ln>
+        </p:spPr>
+        <p:style>
+          <a:lnRef idx="0">
+            <a:scrgbClr r="0" g="0" b="0"/>
+          </a:lnRef>
+          <a:fillRef idx="0">
+            <a:scrgbClr r="0" g="0" b="0"/>
+          </a:fillRef>
+          <a:effectRef idx="0">
+            <a:scrgbClr r="0" g="0" b="0"/>
+          </a:effectRef>
+          <a:fontRef idx="minor"/>
+        </p:style>
+        <p:txBody>
+          <a:bodyPr lIns="90000" tIns="45000" rIns="90000" bIns="45000"/>
+          <a:lstStyle/>
+          <a:p>
+            <a:pPr>
+              <a:lnSpc>
+                <a:spcPct val="100000"/>
+              </a:lnSpc>
+            </a:pPr>
+            <a:r>
+              <a:rPr lang="pt-BR" sz="1800" b="0" strike="noStrike" spc="-1" dirty="0">
+                <a:solidFill>
+                  <a:srgbClr val="000000"/>
+                </a:solidFill>
+                <a:latin typeface="Arial"/>
+                <a:ea typeface="DejaVu Sans"/>
+              </a:rPr>
+              <a:t>Computer Vision - Prof. André Hochuli</a:t>
+            </a:r>
+            <a:endParaRPr lang="pt-BR" sz="1800" b="0" strike="noStrike" spc="-1" dirty="0">
+              <a:latin typeface="Arial"/>
+            </a:endParaRPr>
+          </a:p>
+        </p:txBody>
+      </p:sp>
+      <p:sp>
+        <p:nvSpPr>
+          <p:cNvPr id="10" name="CustomShape 3">
+            <a:extLst>
+              <a:ext uri="{FF2B5EF4-FFF2-40B4-BE49-F238E27FC236}">
+                <a16:creationId xmlns:a16="http://schemas.microsoft.com/office/drawing/2014/main" id="{78C456B9-B5EA-AE0A-55ED-2B32CE41C07D}"/>
+              </a:ext>
+            </a:extLst>
+          </p:cNvPr>
+          <p:cNvSpPr/>
+          <p:nvPr/>
+        </p:nvSpPr>
+        <p:spPr>
+          <a:xfrm>
+            <a:off x="7608600" y="6886080"/>
+            <a:ext cx="2281680" cy="361440"/>
+          </a:xfrm>
+          <a:prstGeom prst="rect">
+            <a:avLst/>
+          </a:prstGeom>
+          <a:noFill/>
+          <a:ln>
+            <a:noFill/>
+          </a:ln>
+        </p:spPr>
+        <p:style>
+          <a:lnRef idx="0">
+            <a:scrgbClr r="0" g="0" b="0"/>
+          </a:lnRef>
+          <a:fillRef idx="0">
+            <a:scrgbClr r="0" g="0" b="0"/>
+          </a:fillRef>
+          <a:effectRef idx="0">
+            <a:scrgbClr r="0" g="0" b="0"/>
+          </a:effectRef>
+          <a:fontRef idx="minor"/>
+        </p:style>
+        <p:txBody>
+          <a:bodyPr lIns="90000" tIns="45000" rIns="90000" bIns="45000"/>
+          <a:lstStyle/>
+          <a:p>
+            <a:pPr>
+              <a:lnSpc>
+                <a:spcPct val="100000"/>
+              </a:lnSpc>
+            </a:pPr>
+            <a:r>
+              <a:rPr lang="en-US" sz="1800" b="0" strike="noStrike" spc="-1" dirty="0">
+                <a:solidFill>
+                  <a:srgbClr val="000000"/>
+                </a:solidFill>
+                <a:latin typeface="Arial"/>
+                <a:ea typeface="DejaVu Sans"/>
+              </a:rPr>
+              <a:t>Lecture</a:t>
+            </a:r>
+            <a:r>
+              <a:rPr lang="pt-BR" sz="1800" b="0" strike="noStrike" spc="-1" dirty="0">
+                <a:solidFill>
+                  <a:srgbClr val="000000"/>
+                </a:solidFill>
+                <a:latin typeface="Arial"/>
+                <a:ea typeface="DejaVu Sans"/>
+              </a:rPr>
+              <a:t> </a:t>
+            </a:r>
+            <a:r>
+              <a:rPr lang="pt-BR" spc="-1" dirty="0">
+                <a:solidFill>
+                  <a:srgbClr val="000000"/>
+                </a:solidFill>
+                <a:latin typeface="Arial"/>
+                <a:ea typeface="DejaVu Sans"/>
+              </a:rPr>
+              <a:t>08</a:t>
+            </a:r>
+            <a:endParaRPr lang="pt-BR" sz="1800" b="0" strike="noStrike" spc="-1" dirty="0">
+              <a:latin typeface="Arial"/>
+            </a:endParaRPr>
+          </a:p>
+        </p:txBody>
+      </p:sp>
+      <p:sp>
+        <p:nvSpPr>
+          <p:cNvPr id="2" name="CaixaDeTexto 1">
+            <a:extLst>
+              <a:ext uri="{FF2B5EF4-FFF2-40B4-BE49-F238E27FC236}">
+                <a16:creationId xmlns:a16="http://schemas.microsoft.com/office/drawing/2014/main" id="{D744B707-1B4A-5A5F-CC17-5C9D8382FBD9}"/>
+              </a:ext>
+            </a:extLst>
+          </p:cNvPr>
+          <p:cNvSpPr txBox="1"/>
+          <p:nvPr/>
+        </p:nvSpPr>
+        <p:spPr>
+          <a:xfrm>
+            <a:off x="200025" y="1742667"/>
+            <a:ext cx="9516375" cy="646331"/>
+          </a:xfrm>
+          <a:prstGeom prst="rect">
+            <a:avLst/>
+          </a:prstGeom>
+          <a:noFill/>
+        </p:spPr>
+        <p:txBody>
+          <a:bodyPr wrap="square" rtlCol="0">
+            <a:spAutoFit/>
+          </a:bodyPr>
+          <a:lstStyle/>
+          <a:p>
+            <a:pPr marL="285750" indent="-285750">
+              <a:buFont typeface="Arial" panose="020B0604020202020204" pitchFamily="34" charset="0"/>
+              <a:buChar char="•"/>
+            </a:pPr>
+            <a:r>
+              <a:rPr lang="en-US" dirty="0">
+                <a:latin typeface="Calibri" panose="020F0502020204030204" pitchFamily="34" charset="0"/>
+                <a:cs typeface="Calibri" panose="020F0502020204030204" pitchFamily="34" charset="0"/>
+              </a:rPr>
+              <a:t>Perceptron</a:t>
+            </a:r>
+          </a:p>
+          <a:p>
+            <a:pPr lvl="1"/>
+            <a:endParaRPr lang="en-US" dirty="0">
+              <a:latin typeface="Calibri" panose="020F0502020204030204" pitchFamily="34" charset="0"/>
+              <a:cs typeface="Calibri" panose="020F0502020204030204" pitchFamily="34" charset="0"/>
+            </a:endParaRPr>
+          </a:p>
+        </p:txBody>
+      </p:sp>
+      <p:pic>
+        <p:nvPicPr>
+          <p:cNvPr id="5" name="Imagem 4">
+            <a:extLst>
+              <a:ext uri="{FF2B5EF4-FFF2-40B4-BE49-F238E27FC236}">
+                <a16:creationId xmlns:a16="http://schemas.microsoft.com/office/drawing/2014/main" id="{E4076F14-B852-2892-EA25-E77F103664B5}"/>
+              </a:ext>
+            </a:extLst>
+          </p:cNvPr>
+          <p:cNvPicPr>
+            <a:picLocks noChangeAspect="1"/>
+          </p:cNvPicPr>
+          <p:nvPr/>
+        </p:nvPicPr>
+        <p:blipFill>
+          <a:blip r:embed="rId3"/>
+          <a:stretch>
+            <a:fillRect/>
+          </a:stretch>
+        </p:blipFill>
+        <p:spPr>
+          <a:xfrm>
+            <a:off x="1500245" y="2388998"/>
+            <a:ext cx="6915934" cy="3844872"/>
+          </a:xfrm>
+          <a:prstGeom prst="rect">
+            <a:avLst/>
+          </a:prstGeom>
+        </p:spPr>
+      </p:pic>
+    </p:spTree>
+    <p:extLst>
+      <p:ext uri="{BB962C8B-B14F-4D97-AF65-F5344CB8AC3E}">
+        <p14:creationId xmlns:p14="http://schemas.microsoft.com/office/powerpoint/2010/main" val="116117442"/>
+      </p:ext>
+    </p:extLst>
+  </p:cSld>
+  <p:clrMapOvr>
+    <a:masterClrMapping/>
+  </p:clrMapOvr>
+  <p:timing>
+    <p:tnLst>
+      <p:par>
+        <p:cTn id="1" dur="indefinite" restart="never" nodeType="tmRoot">
+          <p:childTnLst>
+            <p:seq>
+              <p:cTn id="2" dur="indefinite" nodeType="mainSeq"/>
+              <p:prevCondLst>
+                <p:cond evt="onPrev" delay="0">
+                  <p:tgtEl>
+                    <p:sldTgt/>
+                  </p:tgtEl>
+                </p:cond>
+              </p:prevCondLst>
+              <p:nextCondLst>
+                <p:cond evt="onNext" delay="0">
+                  <p:tgtEl>
+                    <p:sldTgt/>
+                  </p:tgtEl>
+                </p:cond>
+              </p:nextCondLst>
+            </p:seq>
+          </p:childTnLst>
+        </p:cTn>
+      </p:par>
+    </p:tnLst>
+  </p:timing>
+</p:sld>
+</file>
+
+<file path=ppt/slides/slide22.xml><?xml version="1.0" encoding="utf-8"?>
+<p:sld xmlns:a="http://schemas.openxmlformats.org/drawingml/2006/main" xmlns:r="http://schemas.openxmlformats.org/officeDocument/2006/relationships" xmlns:p="http://schemas.openxmlformats.org/presentationml/2006/main">
+  <p:cSld>
+    <p:spTree>
+      <p:nvGrpSpPr>
+        <p:cNvPr id="1" name=""/>
+        <p:cNvGrpSpPr/>
+        <p:nvPr/>
+      </p:nvGrpSpPr>
+      <p:grpSpPr>
+        <a:xfrm>
+          <a:off x="0" y="0"/>
+          <a:ext cx="0" cy="0"/>
+          <a:chOff x="0" y="0"/>
+          <a:chExt cx="0" cy="0"/>
+        </a:xfrm>
+      </p:grpSpPr>
+      <p:sp>
+        <p:nvSpPr>
+          <p:cNvPr id="99" name="CustomShape 1"/>
+          <p:cNvSpPr/>
+          <p:nvPr/>
+        </p:nvSpPr>
+        <p:spPr>
+          <a:xfrm>
+            <a:off x="360000" y="360000"/>
+            <a:ext cx="9356400" cy="896400"/>
+          </a:xfrm>
+          <a:prstGeom prst="rect">
+            <a:avLst/>
+          </a:prstGeom>
+          <a:noFill/>
+          <a:ln>
+            <a:noFill/>
+          </a:ln>
+        </p:spPr>
+        <p:style>
+          <a:lnRef idx="0">
+            <a:scrgbClr r="0" g="0" b="0"/>
+          </a:lnRef>
+          <a:fillRef idx="0">
+            <a:scrgbClr r="0" g="0" b="0"/>
+          </a:fillRef>
+          <a:effectRef idx="0">
+            <a:scrgbClr r="0" g="0" b="0"/>
+          </a:effectRef>
+          <a:fontRef idx="minor"/>
+        </p:style>
+        <p:txBody>
+          <a:bodyPr lIns="0" tIns="0" rIns="0" bIns="0" anchor="b"/>
+          <a:lstStyle/>
+          <a:p>
+            <a:r>
+              <a:rPr lang="en-US" sz="3200" b="1" spc="-1" dirty="0">
+                <a:solidFill>
+                  <a:srgbClr val="FFFFFF"/>
+                </a:solidFill>
+                <a:latin typeface="Latin Modern Sans"/>
+              </a:rPr>
+              <a:t>Classification  Models</a:t>
+            </a:r>
+          </a:p>
+          <a:p>
+            <a:r>
+              <a:rPr lang="en-US" sz="3200" b="1" strike="noStrike" spc="-1" dirty="0">
+                <a:solidFill>
+                  <a:srgbClr val="FFFFFF"/>
+                </a:solidFill>
+                <a:latin typeface="Latin Modern Sans"/>
+              </a:rPr>
+              <a:t>Multi-Layer Perceptron</a:t>
+            </a:r>
+            <a:endParaRPr lang="en-US" sz="3200" b="0" strike="noStrike" spc="-1" dirty="0">
+              <a:latin typeface="Arial"/>
+            </a:endParaRPr>
+          </a:p>
+        </p:txBody>
+      </p:sp>
+      <p:sp>
+        <p:nvSpPr>
+          <p:cNvPr id="9" name="CustomShape 2">
+            <a:extLst>
+              <a:ext uri="{FF2B5EF4-FFF2-40B4-BE49-F238E27FC236}">
+                <a16:creationId xmlns:a16="http://schemas.microsoft.com/office/drawing/2014/main" id="{7D27D924-BAD9-59EB-0956-442C5E618C62}"/>
+              </a:ext>
+            </a:extLst>
+          </p:cNvPr>
+          <p:cNvSpPr/>
+          <p:nvPr/>
+        </p:nvSpPr>
+        <p:spPr>
+          <a:xfrm>
+            <a:off x="897120" y="6886080"/>
+            <a:ext cx="6443640" cy="361440"/>
+          </a:xfrm>
+          <a:prstGeom prst="rect">
+            <a:avLst/>
+          </a:prstGeom>
+          <a:noFill/>
+          <a:ln>
+            <a:noFill/>
+          </a:ln>
+        </p:spPr>
+        <p:style>
+          <a:lnRef idx="0">
+            <a:scrgbClr r="0" g="0" b="0"/>
+          </a:lnRef>
+          <a:fillRef idx="0">
+            <a:scrgbClr r="0" g="0" b="0"/>
+          </a:fillRef>
+          <a:effectRef idx="0">
+            <a:scrgbClr r="0" g="0" b="0"/>
+          </a:effectRef>
+          <a:fontRef idx="minor"/>
+        </p:style>
+        <p:txBody>
+          <a:bodyPr lIns="90000" tIns="45000" rIns="90000" bIns="45000"/>
+          <a:lstStyle/>
+          <a:p>
+            <a:pPr>
+              <a:lnSpc>
+                <a:spcPct val="100000"/>
+              </a:lnSpc>
+            </a:pPr>
+            <a:r>
+              <a:rPr lang="pt-BR" sz="1800" b="0" strike="noStrike" spc="-1" dirty="0">
+                <a:solidFill>
+                  <a:srgbClr val="000000"/>
+                </a:solidFill>
+                <a:latin typeface="Arial"/>
+                <a:ea typeface="DejaVu Sans"/>
+              </a:rPr>
+              <a:t>Computer Vision - Prof. André Hochuli</a:t>
+            </a:r>
+            <a:endParaRPr lang="pt-BR" sz="1800" b="0" strike="noStrike" spc="-1" dirty="0">
+              <a:latin typeface="Arial"/>
+            </a:endParaRPr>
+          </a:p>
+        </p:txBody>
+      </p:sp>
+      <p:sp>
+        <p:nvSpPr>
+          <p:cNvPr id="10" name="CustomShape 3">
+            <a:extLst>
+              <a:ext uri="{FF2B5EF4-FFF2-40B4-BE49-F238E27FC236}">
+                <a16:creationId xmlns:a16="http://schemas.microsoft.com/office/drawing/2014/main" id="{78C456B9-B5EA-AE0A-55ED-2B32CE41C07D}"/>
+              </a:ext>
+            </a:extLst>
+          </p:cNvPr>
+          <p:cNvSpPr/>
+          <p:nvPr/>
+        </p:nvSpPr>
+        <p:spPr>
+          <a:xfrm>
+            <a:off x="7608600" y="6886080"/>
+            <a:ext cx="2281680" cy="361440"/>
+          </a:xfrm>
+          <a:prstGeom prst="rect">
+            <a:avLst/>
+          </a:prstGeom>
+          <a:noFill/>
+          <a:ln>
+            <a:noFill/>
+          </a:ln>
+        </p:spPr>
+        <p:style>
+          <a:lnRef idx="0">
+            <a:scrgbClr r="0" g="0" b="0"/>
+          </a:lnRef>
+          <a:fillRef idx="0">
+            <a:scrgbClr r="0" g="0" b="0"/>
+          </a:fillRef>
+          <a:effectRef idx="0">
+            <a:scrgbClr r="0" g="0" b="0"/>
+          </a:effectRef>
+          <a:fontRef idx="minor"/>
+        </p:style>
+        <p:txBody>
+          <a:bodyPr lIns="90000" tIns="45000" rIns="90000" bIns="45000"/>
+          <a:lstStyle/>
+          <a:p>
+            <a:pPr>
+              <a:lnSpc>
+                <a:spcPct val="100000"/>
+              </a:lnSpc>
+            </a:pPr>
+            <a:r>
+              <a:rPr lang="en-US" sz="1800" b="0" strike="noStrike" spc="-1" dirty="0">
+                <a:solidFill>
+                  <a:srgbClr val="000000"/>
+                </a:solidFill>
+                <a:latin typeface="Arial"/>
+                <a:ea typeface="DejaVu Sans"/>
+              </a:rPr>
+              <a:t>Lecture</a:t>
+            </a:r>
+            <a:r>
+              <a:rPr lang="pt-BR" sz="1800" b="0" strike="noStrike" spc="-1" dirty="0">
+                <a:solidFill>
+                  <a:srgbClr val="000000"/>
+                </a:solidFill>
+                <a:latin typeface="Arial"/>
+                <a:ea typeface="DejaVu Sans"/>
+              </a:rPr>
+              <a:t> </a:t>
+            </a:r>
+            <a:r>
+              <a:rPr lang="pt-BR" spc="-1" dirty="0">
+                <a:solidFill>
+                  <a:srgbClr val="000000"/>
+                </a:solidFill>
+                <a:latin typeface="Arial"/>
+                <a:ea typeface="DejaVu Sans"/>
+              </a:rPr>
+              <a:t>08</a:t>
+            </a:r>
+            <a:endParaRPr lang="pt-BR" sz="1800" b="0" strike="noStrike" spc="-1" dirty="0">
+              <a:latin typeface="Arial"/>
+            </a:endParaRPr>
+          </a:p>
+        </p:txBody>
+      </p:sp>
+      <p:sp>
+        <p:nvSpPr>
+          <p:cNvPr id="2" name="CaixaDeTexto 1">
+            <a:extLst>
+              <a:ext uri="{FF2B5EF4-FFF2-40B4-BE49-F238E27FC236}">
+                <a16:creationId xmlns:a16="http://schemas.microsoft.com/office/drawing/2014/main" id="{D744B707-1B4A-5A5F-CC17-5C9D8382FBD9}"/>
+              </a:ext>
+            </a:extLst>
+          </p:cNvPr>
+          <p:cNvSpPr txBox="1"/>
+          <p:nvPr/>
+        </p:nvSpPr>
+        <p:spPr>
+          <a:xfrm>
+            <a:off x="200025" y="1742667"/>
+            <a:ext cx="9516375" cy="646331"/>
+          </a:xfrm>
+          <a:prstGeom prst="rect">
+            <a:avLst/>
+          </a:prstGeom>
+          <a:noFill/>
+        </p:spPr>
+        <p:txBody>
+          <a:bodyPr wrap="square" rtlCol="0">
+            <a:spAutoFit/>
+          </a:bodyPr>
+          <a:lstStyle/>
+          <a:p>
+            <a:pPr marL="285750" indent="-285750">
+              <a:buFont typeface="Arial" panose="020B0604020202020204" pitchFamily="34" charset="0"/>
+              <a:buChar char="•"/>
+            </a:pPr>
+            <a:r>
+              <a:rPr lang="en-US" dirty="0">
+                <a:latin typeface="Calibri" panose="020F0502020204030204" pitchFamily="34" charset="0"/>
+                <a:cs typeface="Calibri" panose="020F0502020204030204" pitchFamily="34" charset="0"/>
+              </a:rPr>
+              <a:t>Multi-Layer Perceptron (MLP)</a:t>
+            </a:r>
+          </a:p>
+          <a:p>
+            <a:pPr lvl="1"/>
+            <a:endParaRPr lang="en-US" dirty="0">
+              <a:latin typeface="Calibri" panose="020F0502020204030204" pitchFamily="34" charset="0"/>
+              <a:cs typeface="Calibri" panose="020F0502020204030204" pitchFamily="34" charset="0"/>
+            </a:endParaRPr>
+          </a:p>
+        </p:txBody>
+      </p:sp>
+      <p:sp>
+        <p:nvSpPr>
+          <p:cNvPr id="3" name="AutoShape 6" descr="Illustration of the two phases of the Backpropagation method in a MLP... |  Download Scientific Diagram">
+            <a:extLst>
+              <a:ext uri="{FF2B5EF4-FFF2-40B4-BE49-F238E27FC236}">
+                <a16:creationId xmlns:a16="http://schemas.microsoft.com/office/drawing/2014/main" id="{3CA5969D-ED96-9D41-4201-E4C33EFE2F41}"/>
+              </a:ext>
+            </a:extLst>
+          </p:cNvPr>
+          <p:cNvSpPr>
+            <a:spLocks noChangeAspect="1" noChangeArrowheads="1"/>
+          </p:cNvSpPr>
+          <p:nvPr/>
+        </p:nvSpPr>
+        <p:spPr bwMode="auto">
+          <a:xfrm>
+            <a:off x="4887913" y="3627438"/>
+            <a:ext cx="304800" cy="304800"/>
+          </a:xfrm>
+          <a:prstGeom prst="rect">
+            <a:avLst/>
+          </a:prstGeom>
+          <a:noFill/>
+          <a:extLst>
+            <a:ext uri="{909E8E84-426E-40DD-AFC4-6F175D3DCCD1}">
+              <a14:hiddenFill xmlns:a14="http://schemas.microsoft.com/office/drawing/2010/main">
+                <a:solidFill>
+                  <a:srgbClr val="FFFFFF"/>
+                </a:solidFill>
+              </a14:hiddenFill>
+            </a:ext>
+          </a:extLst>
+        </p:spPr>
+        <p:txBody>
+          <a:bodyPr vert="horz" wrap="square" lIns="91440" tIns="45720" rIns="91440" bIns="45720" numCol="1" anchor="t" anchorCtr="0" compatLnSpc="1">
+            <a:prstTxWarp prst="textNoShape">
+              <a:avLst/>
+            </a:prstTxWarp>
+          </a:bodyPr>
+          <a:lstStyle/>
+          <a:p>
+            <a:endParaRPr lang="pt-BR"/>
+          </a:p>
+        </p:txBody>
+      </p:sp>
+      <p:pic>
+        <p:nvPicPr>
+          <p:cNvPr id="13" name="Imagem 12">
+            <a:extLst>
+              <a:ext uri="{FF2B5EF4-FFF2-40B4-BE49-F238E27FC236}">
+                <a16:creationId xmlns:a16="http://schemas.microsoft.com/office/drawing/2014/main" id="{B7174395-31FF-A83E-A9FD-BD8AC621F6DF}"/>
+              </a:ext>
+            </a:extLst>
+          </p:cNvPr>
+          <p:cNvPicPr>
+            <a:picLocks noChangeAspect="1"/>
+          </p:cNvPicPr>
+          <p:nvPr/>
+        </p:nvPicPr>
+        <p:blipFill>
+          <a:blip r:embed="rId3"/>
+          <a:stretch>
+            <a:fillRect/>
+          </a:stretch>
+        </p:blipFill>
+        <p:spPr>
+          <a:xfrm>
+            <a:off x="1058862" y="2446340"/>
+            <a:ext cx="8096250" cy="3924300"/>
+          </a:xfrm>
+          <a:prstGeom prst="rect">
+            <a:avLst/>
+          </a:prstGeom>
+        </p:spPr>
+      </p:pic>
+    </p:spTree>
+    <p:extLst>
+      <p:ext uri="{BB962C8B-B14F-4D97-AF65-F5344CB8AC3E}">
+        <p14:creationId xmlns:p14="http://schemas.microsoft.com/office/powerpoint/2010/main" val="901375044"/>
+      </p:ext>
+    </p:extLst>
+  </p:cSld>
+  <p:clrMapOvr>
+    <a:masterClrMapping/>
+  </p:clrMapOvr>
+  <p:timing>
+    <p:tnLst>
+      <p:par>
+        <p:cTn id="1" dur="indefinite" restart="never" nodeType="tmRoot">
+          <p:childTnLst>
+            <p:seq>
+              <p:cTn id="2" dur="indefinite" nodeType="mainSeq"/>
+              <p:prevCondLst>
+                <p:cond evt="onPrev" delay="0">
+                  <p:tgtEl>
+                    <p:sldTgt/>
+                  </p:tgtEl>
+                </p:cond>
+              </p:prevCondLst>
+              <p:nextCondLst>
+                <p:cond evt="onNext" delay="0">
+                  <p:tgtEl>
+                    <p:sldTgt/>
+                  </p:tgtEl>
+                </p:cond>
+              </p:nextCondLst>
+            </p:seq>
+          </p:childTnLst>
+        </p:cTn>
+      </p:par>
+    </p:tnLst>
+  </p:timing>
+</p:sld>
+</file>
+
+<file path=ppt/slides/slide23.xml><?xml version="1.0" encoding="utf-8"?>
+<p:sld xmlns:a="http://schemas.openxmlformats.org/drawingml/2006/main" xmlns:r="http://schemas.openxmlformats.org/officeDocument/2006/relationships" xmlns:p="http://schemas.openxmlformats.org/presentationml/2006/main">
+  <p:cSld>
+    <p:spTree>
+      <p:nvGrpSpPr>
+        <p:cNvPr id="1" name=""/>
+        <p:cNvGrpSpPr/>
+        <p:nvPr/>
+      </p:nvGrpSpPr>
+      <p:grpSpPr>
+        <a:xfrm>
+          <a:off x="0" y="0"/>
+          <a:ext cx="0" cy="0"/>
+          <a:chOff x="0" y="0"/>
+          <a:chExt cx="0" cy="0"/>
+        </a:xfrm>
+      </p:grpSpPr>
       <p:pic>
         <p:nvPicPr>
           <p:cNvPr id="7" name="Imagem 6">
@@ -14319,11 +15554,18 @@
               <a:buChar char="•"/>
             </a:pPr>
             <a:r>
+              <a:rPr lang="en-US" b="1" dirty="0">
+                <a:latin typeface="Calibri" panose="020F0502020204030204" pitchFamily="34" charset="0"/>
+                <a:cs typeface="Calibri" panose="020F0502020204030204" pitchFamily="34" charset="0"/>
+              </a:rPr>
+              <a:t>Correctly classified </a:t>
+            </a:r>
+            <a:r>
               <a:rPr lang="en-US" dirty="0">
                 <a:latin typeface="Calibri" panose="020F0502020204030204" pitchFamily="34" charset="0"/>
                 <a:cs typeface="Calibri" panose="020F0502020204030204" pitchFamily="34" charset="0"/>
               </a:rPr>
-              <a:t>Correctly classified instances over </a:t>
+              <a:t>instances over </a:t>
             </a:r>
             <a:r>
               <a:rPr lang="en-US" b="1" dirty="0">
@@ -14404,7 +15646,7 @@
                 <a:latin typeface="Calibri" panose="020F0502020204030204" pitchFamily="34" charset="0"/>
                 <a:cs typeface="Calibri" panose="020F0502020204030204" pitchFamily="34" charset="0"/>
               </a:rPr>
-              <a:t>(55 + 30)/(55 + 5 + 30 + 10 ) = 0.85</a:t>
+              <a:t>(55 + 30)/(55 + 5 + 30 + 10 ) = 0.850</a:t>
             </a:r>
           </a:p>
           <a:p>
@@ -14733,7 +15975,7 @@
 </p:sld>
 </file>
 
-<file path=ppt/slides/slide22.xml><?xml version="1.0" encoding="utf-8"?>
+<file path=ppt/slides/slide24.xml><?xml version="1.0" encoding="utf-8"?>
 <p:sld xmlns:a="http://schemas.openxmlformats.org/drawingml/2006/main" xmlns:r="http://schemas.openxmlformats.org/officeDocument/2006/relationships" xmlns:p="http://schemas.openxmlformats.org/presentationml/2006/main">
   <p:cSld>
     <p:spTree>
@@ -15389,7 +16631,7 @@
                 <a:effectLst/>
                 <a:latin typeface="source-serif-pro"/>
               </a:rPr>
-              <a:t>30/(30+ 10) = 0.75</a:t>
+              <a:t>30/(30+ 10) = 0.750</a:t>
             </a:r>
             <a:endParaRPr lang="en-US" dirty="0">
               <a:latin typeface="Calibri" panose="020F0502020204030204" pitchFamily="34" charset="0"/>
@@ -15616,7 +16858,744 @@
 </p:sld>
 </file>
 
-<file path=ppt/slides/slide23.xml><?xml version="1.0" encoding="utf-8"?>
+<file path=ppt/slides/slide25.xml><?xml version="1.0" encoding="utf-8"?>
+<p:sld xmlns:a="http://schemas.openxmlformats.org/drawingml/2006/main" xmlns:r="http://schemas.openxmlformats.org/officeDocument/2006/relationships" xmlns:p="http://schemas.openxmlformats.org/presentationml/2006/main">
+  <p:cSld>
+    <p:spTree>
+      <p:nvGrpSpPr>
+        <p:cNvPr id="1" name=""/>
+        <p:cNvGrpSpPr/>
+        <p:nvPr/>
+      </p:nvGrpSpPr>
+      <p:grpSpPr>
+        <a:xfrm>
+          <a:off x="0" y="0"/>
+          <a:ext cx="0" cy="0"/>
+          <a:chOff x="0" y="0"/>
+          <a:chExt cx="0" cy="0"/>
+        </a:xfrm>
+      </p:grpSpPr>
+      <p:sp>
+        <p:nvSpPr>
+          <p:cNvPr id="99" name="CustomShape 1"/>
+          <p:cNvSpPr/>
+          <p:nvPr/>
+        </p:nvSpPr>
+        <p:spPr>
+          <a:xfrm>
+            <a:off x="360000" y="360000"/>
+            <a:ext cx="9356400" cy="896400"/>
+          </a:xfrm>
+          <a:prstGeom prst="rect">
+            <a:avLst/>
+          </a:prstGeom>
+          <a:noFill/>
+          <a:ln>
+            <a:noFill/>
+          </a:ln>
+        </p:spPr>
+        <p:style>
+          <a:lnRef idx="0">
+            <a:scrgbClr r="0" g="0" b="0"/>
+          </a:lnRef>
+          <a:fillRef idx="0">
+            <a:scrgbClr r="0" g="0" b="0"/>
+          </a:fillRef>
+          <a:effectRef idx="0">
+            <a:scrgbClr r="0" g="0" b="0"/>
+          </a:effectRef>
+          <a:fontRef idx="minor"/>
+        </p:style>
+        <p:txBody>
+          <a:bodyPr lIns="0" tIns="0" rIns="0" bIns="0" anchor="b"/>
+          <a:lstStyle/>
+          <a:p>
+            <a:r>
+              <a:rPr lang="en-US" sz="3200" b="1" strike="noStrike" spc="-1" dirty="0">
+                <a:solidFill>
+                  <a:srgbClr val="FFFFFF"/>
+                </a:solidFill>
+                <a:latin typeface="Latin Modern Sans"/>
+              </a:rPr>
+              <a:t>Evaluation Metrics</a:t>
+            </a:r>
+            <a:endParaRPr lang="en-US" sz="3200" b="0" strike="noStrike" spc="-1" dirty="0">
+              <a:latin typeface="Arial"/>
+            </a:endParaRPr>
+          </a:p>
+        </p:txBody>
+      </p:sp>
+      <p:sp>
+        <p:nvSpPr>
+          <p:cNvPr id="9" name="CustomShape 2">
+            <a:extLst>
+              <a:ext uri="{FF2B5EF4-FFF2-40B4-BE49-F238E27FC236}">
+                <a16:creationId xmlns:a16="http://schemas.microsoft.com/office/drawing/2014/main" id="{7D27D924-BAD9-59EB-0956-442C5E618C62}"/>
+              </a:ext>
+            </a:extLst>
+          </p:cNvPr>
+          <p:cNvSpPr/>
+          <p:nvPr/>
+        </p:nvSpPr>
+        <p:spPr>
+          <a:xfrm>
+            <a:off x="897120" y="6886080"/>
+            <a:ext cx="6443640" cy="361440"/>
+          </a:xfrm>
+          <a:prstGeom prst="rect">
+            <a:avLst/>
+          </a:prstGeom>
+          <a:noFill/>
+          <a:ln>
+            <a:noFill/>
+          </a:ln>
+        </p:spPr>
+        <p:style>
+          <a:lnRef idx="0">
+            <a:scrgbClr r="0" g="0" b="0"/>
+          </a:lnRef>
+          <a:fillRef idx="0">
+            <a:scrgbClr r="0" g="0" b="0"/>
+          </a:fillRef>
+          <a:effectRef idx="0">
+            <a:scrgbClr r="0" g="0" b="0"/>
+          </a:effectRef>
+          <a:fontRef idx="minor"/>
+        </p:style>
+        <p:txBody>
+          <a:bodyPr lIns="90000" tIns="45000" rIns="90000" bIns="45000"/>
+          <a:lstStyle/>
+          <a:p>
+            <a:pPr>
+              <a:lnSpc>
+                <a:spcPct val="100000"/>
+              </a:lnSpc>
+            </a:pPr>
+            <a:r>
+              <a:rPr lang="pt-BR" sz="1800" b="0" strike="noStrike" spc="-1" dirty="0">
+                <a:solidFill>
+                  <a:srgbClr val="000000"/>
+                </a:solidFill>
+                <a:latin typeface="Arial"/>
+                <a:ea typeface="DejaVu Sans"/>
+              </a:rPr>
+              <a:t>Computer Vision - Prof. André Hochuli</a:t>
+            </a:r>
+            <a:endParaRPr lang="pt-BR" sz="1800" b="0" strike="noStrike" spc="-1" dirty="0">
+              <a:latin typeface="Arial"/>
+            </a:endParaRPr>
+          </a:p>
+        </p:txBody>
+      </p:sp>
+      <p:sp>
+        <p:nvSpPr>
+          <p:cNvPr id="10" name="CustomShape 3">
+            <a:extLst>
+              <a:ext uri="{FF2B5EF4-FFF2-40B4-BE49-F238E27FC236}">
+                <a16:creationId xmlns:a16="http://schemas.microsoft.com/office/drawing/2014/main" id="{78C456B9-B5EA-AE0A-55ED-2B32CE41C07D}"/>
+              </a:ext>
+            </a:extLst>
+          </p:cNvPr>
+          <p:cNvSpPr/>
+          <p:nvPr/>
+        </p:nvSpPr>
+        <p:spPr>
+          <a:xfrm>
+            <a:off x="7608600" y="6886080"/>
+            <a:ext cx="2281680" cy="361440"/>
+          </a:xfrm>
+          <a:prstGeom prst="rect">
+            <a:avLst/>
+          </a:prstGeom>
+          <a:noFill/>
+          <a:ln>
+            <a:noFill/>
+          </a:ln>
+        </p:spPr>
+        <p:style>
+          <a:lnRef idx="0">
+            <a:scrgbClr r="0" g="0" b="0"/>
+          </a:lnRef>
+          <a:fillRef idx="0">
+            <a:scrgbClr r="0" g="0" b="0"/>
+          </a:fillRef>
+          <a:effectRef idx="0">
+            <a:scrgbClr r="0" g="0" b="0"/>
+          </a:effectRef>
+          <a:fontRef idx="minor"/>
+        </p:style>
+        <p:txBody>
+          <a:bodyPr lIns="90000" tIns="45000" rIns="90000" bIns="45000"/>
+          <a:lstStyle/>
+          <a:p>
+            <a:pPr>
+              <a:lnSpc>
+                <a:spcPct val="100000"/>
+              </a:lnSpc>
+            </a:pPr>
+            <a:r>
+              <a:rPr lang="en-US" sz="1800" b="0" strike="noStrike" spc="-1" dirty="0">
+                <a:solidFill>
+                  <a:srgbClr val="000000"/>
+                </a:solidFill>
+                <a:latin typeface="Arial"/>
+                <a:ea typeface="DejaVu Sans"/>
+              </a:rPr>
+              <a:t>Lecture</a:t>
+            </a:r>
+            <a:r>
+              <a:rPr lang="pt-BR" sz="1800" b="0" strike="noStrike" spc="-1" dirty="0">
+                <a:solidFill>
+                  <a:srgbClr val="000000"/>
+                </a:solidFill>
+                <a:latin typeface="Arial"/>
+                <a:ea typeface="DejaVu Sans"/>
+              </a:rPr>
+              <a:t> </a:t>
+            </a:r>
+            <a:r>
+              <a:rPr lang="pt-BR" spc="-1" dirty="0">
+                <a:solidFill>
+                  <a:srgbClr val="000000"/>
+                </a:solidFill>
+                <a:latin typeface="Arial"/>
+                <a:ea typeface="DejaVu Sans"/>
+              </a:rPr>
+              <a:t>08</a:t>
+            </a:r>
+            <a:endParaRPr lang="pt-BR" sz="1800" b="0" strike="noStrike" spc="-1" dirty="0">
+              <a:latin typeface="Arial"/>
+            </a:endParaRPr>
+          </a:p>
+        </p:txBody>
+      </p:sp>
+      <p:sp>
+        <p:nvSpPr>
+          <p:cNvPr id="2" name="CaixaDeTexto 1">
+            <a:extLst>
+              <a:ext uri="{FF2B5EF4-FFF2-40B4-BE49-F238E27FC236}">
+                <a16:creationId xmlns:a16="http://schemas.microsoft.com/office/drawing/2014/main" id="{D744B707-1B4A-5A5F-CC17-5C9D8382FBD9}"/>
+              </a:ext>
+            </a:extLst>
+          </p:cNvPr>
+          <p:cNvSpPr txBox="1"/>
+          <p:nvPr/>
+        </p:nvSpPr>
+        <p:spPr>
+          <a:xfrm>
+            <a:off x="200026" y="1693406"/>
+            <a:ext cx="7521934" cy="2862322"/>
+          </a:xfrm>
+          <a:prstGeom prst="rect">
+            <a:avLst/>
+          </a:prstGeom>
+          <a:noFill/>
+        </p:spPr>
+        <p:txBody>
+          <a:bodyPr wrap="square" rtlCol="0">
+            <a:spAutoFit/>
+          </a:bodyPr>
+          <a:lstStyle/>
+          <a:p>
+            <a:pPr marL="285750" indent="-285750">
+              <a:buFont typeface="Arial" panose="020B0604020202020204" pitchFamily="34" charset="0"/>
+              <a:buChar char="•"/>
+            </a:pPr>
+            <a:r>
+              <a:rPr lang="en-US" dirty="0">
+                <a:latin typeface="Calibri" panose="020F0502020204030204" pitchFamily="34" charset="0"/>
+                <a:cs typeface="Calibri" panose="020F0502020204030204" pitchFamily="34" charset="0"/>
+              </a:rPr>
+              <a:t>F1-SCORE:</a:t>
+            </a:r>
+          </a:p>
+          <a:p>
+            <a:pPr marL="285750" indent="-285750">
+              <a:buFont typeface="Arial" panose="020B0604020202020204" pitchFamily="34" charset="0"/>
+              <a:buChar char="•"/>
+            </a:pPr>
+            <a:endParaRPr lang="en-US" dirty="0">
+              <a:latin typeface="Calibri" panose="020F0502020204030204" pitchFamily="34" charset="0"/>
+              <a:cs typeface="Calibri" panose="020F0502020204030204" pitchFamily="34" charset="0"/>
+            </a:endParaRPr>
+          </a:p>
+          <a:p>
+            <a:pPr marL="742950" lvl="1" indent="-285750">
+              <a:buFont typeface="Arial" panose="020B0604020202020204" pitchFamily="34" charset="0"/>
+              <a:buChar char="•"/>
+            </a:pPr>
+            <a:r>
+              <a:rPr lang="en-US" dirty="0">
+                <a:latin typeface="Calibri" panose="020F0502020204030204" pitchFamily="34" charset="0"/>
+                <a:cs typeface="Calibri" panose="020F0502020204030204" pitchFamily="34" charset="0"/>
+              </a:rPr>
+              <a:t>Harmonic Mean</a:t>
+            </a:r>
+            <a:r>
+              <a:rPr lang="en-US" baseline="30000" dirty="0">
+                <a:latin typeface="Calibri" panose="020F0502020204030204" pitchFamily="34" charset="0"/>
+                <a:cs typeface="Calibri" panose="020F0502020204030204" pitchFamily="34" charset="0"/>
+              </a:rPr>
+              <a:t>(*)</a:t>
+            </a:r>
+            <a:r>
+              <a:rPr lang="en-US" dirty="0">
+                <a:latin typeface="Calibri" panose="020F0502020204030204" pitchFamily="34" charset="0"/>
+                <a:cs typeface="Calibri" panose="020F0502020204030204" pitchFamily="34" charset="0"/>
+              </a:rPr>
+              <a:t> of precision and recall rates</a:t>
+            </a:r>
+          </a:p>
+          <a:p>
+            <a:pPr lvl="1"/>
+            <a:endParaRPr lang="pt-BR" dirty="0">
+              <a:solidFill>
+                <a:srgbClr val="292929"/>
+              </a:solidFill>
+              <a:latin typeface="source-serif-pro"/>
+            </a:endParaRPr>
+          </a:p>
+          <a:p>
+            <a:pPr marL="742950" lvl="1" indent="-285750">
+              <a:buFont typeface="Arial" panose="020B0604020202020204" pitchFamily="34" charset="0"/>
+              <a:buChar char="•"/>
+            </a:pPr>
+            <a:endParaRPr lang="pt-BR" b="0" i="0" dirty="0">
+              <a:solidFill>
+                <a:srgbClr val="292929"/>
+              </a:solidFill>
+              <a:effectLst/>
+              <a:latin typeface="source-serif-pro"/>
+            </a:endParaRPr>
+          </a:p>
+          <a:p>
+            <a:pPr marL="742950" lvl="1" indent="-285750">
+              <a:buFont typeface="Arial" panose="020B0604020202020204" pitchFamily="34" charset="0"/>
+              <a:buChar char="•"/>
+            </a:pPr>
+            <a:endParaRPr lang="pt-BR" dirty="0">
+              <a:solidFill>
+                <a:srgbClr val="292929"/>
+              </a:solidFill>
+              <a:latin typeface="source-serif-pro"/>
+            </a:endParaRPr>
+          </a:p>
+          <a:p>
+            <a:pPr marL="742950" lvl="1" indent="-285750">
+              <a:buFont typeface="Arial" panose="020B0604020202020204" pitchFamily="34" charset="0"/>
+              <a:buChar char="•"/>
+            </a:pPr>
+            <a:endParaRPr lang="pt-BR" b="0" i="0" dirty="0">
+              <a:solidFill>
+                <a:srgbClr val="292929"/>
+              </a:solidFill>
+              <a:effectLst/>
+              <a:latin typeface="source-serif-pro"/>
+            </a:endParaRPr>
+          </a:p>
+          <a:p>
+            <a:pPr marL="742950" lvl="1" indent="-285750">
+              <a:buFont typeface="Arial" panose="020B0604020202020204" pitchFamily="34" charset="0"/>
+              <a:buChar char="•"/>
+            </a:pPr>
+            <a:r>
+              <a:rPr lang="pt-BR" b="0" i="0" dirty="0">
+                <a:solidFill>
+                  <a:srgbClr val="292929"/>
+                </a:solidFill>
+                <a:effectLst/>
+                <a:latin typeface="source-serif-pro"/>
+              </a:rPr>
+              <a:t>2* ( 0.857 * 0.75)/(0.857 + 0.75) = 0.799</a:t>
+            </a:r>
+            <a:endParaRPr lang="pt-BR" dirty="0">
+              <a:latin typeface="Calibri" panose="020F0502020204030204" pitchFamily="34" charset="0"/>
+              <a:cs typeface="Calibri" panose="020F0502020204030204" pitchFamily="34" charset="0"/>
+            </a:endParaRPr>
+          </a:p>
+          <a:p>
+            <a:pPr marL="742950" lvl="1" indent="-285750">
+              <a:buFont typeface="Arial" panose="020B0604020202020204" pitchFamily="34" charset="0"/>
+              <a:buChar char="•"/>
+            </a:pPr>
+            <a:endParaRPr lang="pt-BR" dirty="0">
+              <a:solidFill>
+                <a:srgbClr val="292929"/>
+              </a:solidFill>
+              <a:latin typeface="source-serif-pro"/>
+              <a:cs typeface="Calibri" panose="020F0502020204030204" pitchFamily="34" charset="0"/>
+            </a:endParaRPr>
+          </a:p>
+          <a:p>
+            <a:pPr lvl="1"/>
+            <a:endParaRPr lang="en-US" dirty="0">
+              <a:latin typeface="Calibri" panose="020F0502020204030204" pitchFamily="34" charset="0"/>
+              <a:cs typeface="Calibri" panose="020F0502020204030204" pitchFamily="34" charset="0"/>
+            </a:endParaRPr>
+          </a:p>
+        </p:txBody>
+      </p:sp>
+      <p:sp>
+        <p:nvSpPr>
+          <p:cNvPr id="3" name="AutoShape 6" descr="Illustration of the two phases of the Backpropagation method in a MLP... |  Download Scientific Diagram">
+            <a:extLst>
+              <a:ext uri="{FF2B5EF4-FFF2-40B4-BE49-F238E27FC236}">
+                <a16:creationId xmlns:a16="http://schemas.microsoft.com/office/drawing/2014/main" id="{3CA5969D-ED96-9D41-4201-E4C33EFE2F41}"/>
+              </a:ext>
+            </a:extLst>
+          </p:cNvPr>
+          <p:cNvSpPr>
+            <a:spLocks noChangeAspect="1" noChangeArrowheads="1"/>
+          </p:cNvSpPr>
+          <p:nvPr/>
+        </p:nvSpPr>
+        <p:spPr bwMode="auto">
+          <a:xfrm>
+            <a:off x="4887913" y="3627438"/>
+            <a:ext cx="304800" cy="304800"/>
+          </a:xfrm>
+          <a:prstGeom prst="rect">
+            <a:avLst/>
+          </a:prstGeom>
+          <a:noFill/>
+          <a:extLst>
+            <a:ext uri="{909E8E84-426E-40DD-AFC4-6F175D3DCCD1}">
+              <a14:hiddenFill xmlns:a14="http://schemas.microsoft.com/office/drawing/2010/main">
+                <a:solidFill>
+                  <a:srgbClr val="FFFFFF"/>
+                </a:solidFill>
+              </a14:hiddenFill>
+            </a:ext>
+          </a:extLst>
+        </p:spPr>
+        <p:txBody>
+          <a:bodyPr vert="horz" wrap="square" lIns="91440" tIns="45720" rIns="91440" bIns="45720" numCol="1" anchor="t" anchorCtr="0" compatLnSpc="1">
+            <a:prstTxWarp prst="textNoShape">
+              <a:avLst/>
+            </a:prstTxWarp>
+          </a:bodyPr>
+          <a:lstStyle/>
+          <a:p>
+            <a:endParaRPr lang="pt-BR"/>
+          </a:p>
+        </p:txBody>
+      </p:sp>
+      <p:pic>
+        <p:nvPicPr>
+          <p:cNvPr id="4" name="Imagem 3">
+            <a:extLst>
+              <a:ext uri="{FF2B5EF4-FFF2-40B4-BE49-F238E27FC236}">
+                <a16:creationId xmlns:a16="http://schemas.microsoft.com/office/drawing/2014/main" id="{234DCEB9-76C2-D403-67C2-7CD871BE0FE6}"/>
+              </a:ext>
+            </a:extLst>
+          </p:cNvPr>
+          <p:cNvPicPr>
+            <a:picLocks noChangeAspect="1"/>
+          </p:cNvPicPr>
+          <p:nvPr/>
+        </p:nvPicPr>
+        <p:blipFill>
+          <a:blip r:embed="rId3"/>
+          <a:stretch>
+            <a:fillRect/>
+          </a:stretch>
+        </p:blipFill>
+        <p:spPr>
+          <a:xfrm>
+            <a:off x="5951762" y="1448648"/>
+            <a:ext cx="3562348" cy="2507403"/>
+          </a:xfrm>
+          <a:prstGeom prst="rect">
+            <a:avLst/>
+          </a:prstGeom>
+        </p:spPr>
+      </p:pic>
+      <p:sp>
+        <p:nvSpPr>
+          <p:cNvPr id="16" name="CaixaDeTexto 15">
+            <a:extLst>
+              <a:ext uri="{FF2B5EF4-FFF2-40B4-BE49-F238E27FC236}">
+                <a16:creationId xmlns:a16="http://schemas.microsoft.com/office/drawing/2014/main" id="{1E2F7E43-AC46-4CC6-9613-740D62343DF1}"/>
+              </a:ext>
+            </a:extLst>
+          </p:cNvPr>
+          <p:cNvSpPr txBox="1"/>
+          <p:nvPr/>
+        </p:nvSpPr>
+        <p:spPr>
+          <a:xfrm>
+            <a:off x="3960993" y="6163156"/>
+            <a:ext cx="5611813" cy="523220"/>
+          </a:xfrm>
+          <a:prstGeom prst="rect">
+            <a:avLst/>
+          </a:prstGeom>
+          <a:noFill/>
+        </p:spPr>
+        <p:txBody>
+          <a:bodyPr wrap="square">
+            <a:spAutoFit/>
+          </a:bodyPr>
+          <a:lstStyle/>
+          <a:p>
+            <a:pPr algn="just"/>
+            <a:r>
+              <a:rPr lang="en-US" sz="2000" baseline="30000" dirty="0">
+                <a:latin typeface="Calibri" panose="020F0502020204030204" pitchFamily="34" charset="0"/>
+                <a:cs typeface="Calibri" panose="020F0502020204030204" pitchFamily="34" charset="0"/>
+              </a:rPr>
+              <a:t>(*) </a:t>
+            </a:r>
+            <a:r>
+              <a:rPr lang="en-US" sz="1400" b="0" i="0" dirty="0">
+                <a:solidFill>
+                  <a:srgbClr val="0A0500"/>
+                </a:solidFill>
+                <a:effectLst/>
+                <a:latin typeface="Open Sans"/>
+              </a:rPr>
+              <a:t>The harmonic mean is a method that gives less weightage to larger single values and more weightage to smaller values</a:t>
+            </a:r>
+            <a:endParaRPr lang="pt-BR" sz="1400" dirty="0"/>
+          </a:p>
+        </p:txBody>
+      </p:sp>
+      <p:cxnSp>
+        <p:nvCxnSpPr>
+          <p:cNvPr id="17" name="Conector reto 16">
+            <a:extLst>
+              <a:ext uri="{FF2B5EF4-FFF2-40B4-BE49-F238E27FC236}">
+                <a16:creationId xmlns:a16="http://schemas.microsoft.com/office/drawing/2014/main" id="{C7988D3C-CA94-40F5-A0FA-97695743F805}"/>
+              </a:ext>
+            </a:extLst>
+          </p:cNvPr>
+          <p:cNvCxnSpPr/>
+          <p:nvPr/>
+        </p:nvCxnSpPr>
+        <p:spPr>
+          <a:xfrm flipH="1">
+            <a:off x="200024" y="4155754"/>
+            <a:ext cx="9314086" cy="0"/>
+          </a:xfrm>
+          <a:prstGeom prst="line">
+            <a:avLst/>
+          </a:prstGeom>
+          <a:ln w="38100">
+            <a:solidFill>
+              <a:schemeClr val="tx1"/>
+            </a:solidFill>
+          </a:ln>
+        </p:spPr>
+        <p:style>
+          <a:lnRef idx="1">
+            <a:schemeClr val="accent1"/>
+          </a:lnRef>
+          <a:fillRef idx="0">
+            <a:schemeClr val="accent1"/>
+          </a:fillRef>
+          <a:effectRef idx="0">
+            <a:schemeClr val="accent1"/>
+          </a:effectRef>
+          <a:fontRef idx="minor">
+            <a:schemeClr val="tx1"/>
+          </a:fontRef>
+        </p:style>
+      </p:cxnSp>
+      <p:pic>
+        <p:nvPicPr>
+          <p:cNvPr id="15" name="Imagem 14">
+            <a:extLst>
+              <a:ext uri="{FF2B5EF4-FFF2-40B4-BE49-F238E27FC236}">
+                <a16:creationId xmlns:a16="http://schemas.microsoft.com/office/drawing/2014/main" id="{755458CA-B192-4EC3-90B9-62B19329F278}"/>
+              </a:ext>
+            </a:extLst>
+          </p:cNvPr>
+          <p:cNvPicPr>
+            <a:picLocks noChangeAspect="1"/>
+          </p:cNvPicPr>
+          <p:nvPr/>
+        </p:nvPicPr>
+        <p:blipFill>
+          <a:blip r:embed="rId4"/>
+          <a:stretch>
+            <a:fillRect/>
+          </a:stretch>
+        </p:blipFill>
+        <p:spPr>
+          <a:xfrm>
+            <a:off x="1092277" y="2855366"/>
+            <a:ext cx="3384625" cy="523696"/>
+          </a:xfrm>
+          <a:prstGeom prst="rect">
+            <a:avLst/>
+          </a:prstGeom>
+        </p:spPr>
+      </p:pic>
+      <p:sp>
+        <p:nvSpPr>
+          <p:cNvPr id="21" name="CaixaDeTexto 20">
+            <a:extLst>
+              <a:ext uri="{FF2B5EF4-FFF2-40B4-BE49-F238E27FC236}">
+                <a16:creationId xmlns:a16="http://schemas.microsoft.com/office/drawing/2014/main" id="{25BBC3BE-23E5-47C5-85DC-27FC34E45AC2}"/>
+              </a:ext>
+            </a:extLst>
+          </p:cNvPr>
+          <p:cNvSpPr txBox="1"/>
+          <p:nvPr/>
+        </p:nvSpPr>
+        <p:spPr>
+          <a:xfrm>
+            <a:off x="200024" y="4444119"/>
+            <a:ext cx="5041900" cy="2308324"/>
+          </a:xfrm>
+          <a:prstGeom prst="rect">
+            <a:avLst/>
+          </a:prstGeom>
+          <a:noFill/>
+        </p:spPr>
+        <p:txBody>
+          <a:bodyPr wrap="square">
+            <a:spAutoFit/>
+          </a:bodyPr>
+          <a:lstStyle/>
+          <a:p>
+            <a:pPr marL="285750" indent="-285750">
+              <a:buFont typeface="Arial" panose="020B0604020202020204" pitchFamily="34" charset="0"/>
+              <a:buChar char="•"/>
+            </a:pPr>
+            <a:r>
+              <a:rPr lang="en-US" dirty="0">
+                <a:latin typeface="Calibri" panose="020F0502020204030204" pitchFamily="34" charset="0"/>
+                <a:cs typeface="Calibri" panose="020F0502020204030204" pitchFamily="34" charset="0"/>
+              </a:rPr>
+              <a:t>Final Remarks</a:t>
+            </a:r>
+          </a:p>
+          <a:p>
+            <a:pPr marL="285750" indent="-285750">
+              <a:buFont typeface="Arial" panose="020B0604020202020204" pitchFamily="34" charset="0"/>
+              <a:buChar char="•"/>
+            </a:pPr>
+            <a:endParaRPr lang="en-US" dirty="0">
+              <a:latin typeface="Calibri" panose="020F0502020204030204" pitchFamily="34" charset="0"/>
+              <a:cs typeface="Calibri" panose="020F0502020204030204" pitchFamily="34" charset="0"/>
+            </a:endParaRPr>
+          </a:p>
+          <a:p>
+            <a:pPr marL="742950" lvl="1" indent="-285750">
+              <a:buFont typeface="Arial" panose="020B0604020202020204" pitchFamily="34" charset="0"/>
+              <a:buChar char="•"/>
+            </a:pPr>
+            <a:r>
+              <a:rPr lang="en-US" dirty="0">
+                <a:latin typeface="Calibri" panose="020F0502020204030204" pitchFamily="34" charset="0"/>
+                <a:cs typeface="Calibri" panose="020F0502020204030204" pitchFamily="34" charset="0"/>
+              </a:rPr>
+              <a:t>Accuracy: 0.850</a:t>
+            </a:r>
+          </a:p>
+          <a:p>
+            <a:pPr marL="742950" lvl="1" indent="-285750">
+              <a:buFont typeface="Arial" panose="020B0604020202020204" pitchFamily="34" charset="0"/>
+              <a:buChar char="•"/>
+            </a:pPr>
+            <a:r>
+              <a:rPr lang="en-US" dirty="0">
+                <a:latin typeface="Calibri" panose="020F0502020204030204" pitchFamily="34" charset="0"/>
+                <a:cs typeface="Calibri" panose="020F0502020204030204" pitchFamily="34" charset="0"/>
+              </a:rPr>
+              <a:t>F1-Score: 0.799</a:t>
+            </a:r>
+          </a:p>
+          <a:p>
+            <a:pPr marL="1200150" lvl="2" indent="-285750">
+              <a:buFont typeface="Arial" panose="020B0604020202020204" pitchFamily="34" charset="0"/>
+              <a:buChar char="•"/>
+            </a:pPr>
+            <a:r>
+              <a:rPr lang="en-US" dirty="0">
+                <a:latin typeface="Calibri" panose="020F0502020204030204" pitchFamily="34" charset="0"/>
+                <a:cs typeface="Calibri" panose="020F0502020204030204" pitchFamily="34" charset="0"/>
+              </a:rPr>
+              <a:t>Precision: 0.857</a:t>
+            </a:r>
+          </a:p>
+          <a:p>
+            <a:pPr marL="1200150" lvl="2" indent="-285750">
+              <a:buFont typeface="Arial" panose="020B0604020202020204" pitchFamily="34" charset="0"/>
+              <a:buChar char="•"/>
+            </a:pPr>
+            <a:r>
+              <a:rPr lang="en-US" dirty="0">
+                <a:latin typeface="Calibri" panose="020F0502020204030204" pitchFamily="34" charset="0"/>
+                <a:cs typeface="Calibri" panose="020F0502020204030204" pitchFamily="34" charset="0"/>
+              </a:rPr>
+              <a:t>Recall: 0.750</a:t>
+            </a:r>
+          </a:p>
+          <a:p>
+            <a:pPr marL="285750" indent="-285750">
+              <a:buFont typeface="Arial" panose="020B0604020202020204" pitchFamily="34" charset="0"/>
+              <a:buChar char="•"/>
+            </a:pPr>
+            <a:endParaRPr lang="en-US" dirty="0">
+              <a:latin typeface="Calibri" panose="020F0502020204030204" pitchFamily="34" charset="0"/>
+              <a:cs typeface="Calibri" panose="020F0502020204030204" pitchFamily="34" charset="0"/>
+            </a:endParaRPr>
+          </a:p>
+          <a:p>
+            <a:pPr marL="742950" lvl="1" indent="-285750">
+              <a:buFont typeface="Arial" panose="020B0604020202020204" pitchFamily="34" charset="0"/>
+              <a:buChar char="•"/>
+            </a:pPr>
+            <a:endParaRPr lang="en-US" dirty="0">
+              <a:latin typeface="Calibri" panose="020F0502020204030204" pitchFamily="34" charset="0"/>
+              <a:cs typeface="Calibri" panose="020F0502020204030204" pitchFamily="34" charset="0"/>
+            </a:endParaRPr>
+          </a:p>
+        </p:txBody>
+      </p:sp>
+    </p:spTree>
+    <p:extLst>
+      <p:ext uri="{BB962C8B-B14F-4D97-AF65-F5344CB8AC3E}">
+        <p14:creationId xmlns:p14="http://schemas.microsoft.com/office/powerpoint/2010/main" val="3784488014"/>
+      </p:ext>
+    </p:extLst>
+  </p:cSld>
+  <p:clrMapOvr>
+    <a:masterClrMapping/>
+  </p:clrMapOvr>
+  <p:timing>
+    <p:tnLst>
+      <p:par>
+        <p:cTn id="1" dur="indefinite" restart="never" nodeType="tmRoot">
+          <p:childTnLst>
+            <p:seq>
+              <p:cTn id="2" dur="indefinite" nodeType="mainSeq"/>
+              <p:prevCondLst>
+                <p:cond evt="onPrev" delay="0">
+                  <p:tgtEl>
+                    <p:sldTgt/>
+                  </p:tgtEl>
+                </p:cond>
+              </p:prevCondLst>
+              <p:nextCondLst>
+                <p:cond evt="onNext" delay="0">
+                  <p:tgtEl>
+                    <p:sldTgt/>
+                  </p:tgtEl>
+                </p:cond>
+              </p:nextCondLst>
+            </p:seq>
+          </p:childTnLst>
+        </p:cTn>
+      </p:par>
+    </p:tnLst>
+  </p:timing>
+</p:sld>
+</file>
+
+<file path=ppt/slides/slide26.xml><?xml version="1.0" encoding="utf-8"?>
 <p:sld xmlns:a="http://schemas.openxmlformats.org/drawingml/2006/main" xmlns:r="http://schemas.openxmlformats.org/officeDocument/2006/relationships" xmlns:p="http://schemas.openxmlformats.org/presentationml/2006/main">
   <p:cSld>
     <p:spTree>
@@ -16224,7 +18203,7 @@
                 <a:latin typeface="Calibri" panose="020F0502020204030204" pitchFamily="34" charset="0"/>
                 <a:cs typeface="Calibri" panose="020F0502020204030204" pitchFamily="34" charset="0"/>
               </a:rPr>
-              <a:t>So far, we extracted features from data to compute the feature space</a:t>
+              <a:t>So far, we have extracted features from data to compute the feature space.</a:t>
             </a:r>
           </a:p>
           <a:p>
@@ -16614,7 +18593,7 @@
                 <a:latin typeface="Calibri" panose="020F0502020204030204" pitchFamily="34" charset="0"/>
                 <a:cs typeface="Calibri" panose="020F0502020204030204" pitchFamily="34" charset="0"/>
               </a:rPr>
-              <a:t>How discriminative features are?</a:t>
+              <a:t>How discriminating are features?</a:t>
             </a:r>
           </a:p>
         </p:txBody>
@@ -17899,35 +19878,6 @@
           </a:prstGeom>
         </p:spPr>
       </p:pic>
-      <p:pic>
-        <p:nvPicPr>
-          <p:cNvPr id="16" name="Imagem 15">
-            <a:extLst>
-              <a:ext uri="{FF2B5EF4-FFF2-40B4-BE49-F238E27FC236}">
-                <a16:creationId xmlns:a16="http://schemas.microsoft.com/office/drawing/2014/main" id="{49E9E27B-937F-3C61-D72B-9DD0B61B3957}"/>
-              </a:ext>
-            </a:extLst>
-          </p:cNvPr>
-          <p:cNvPicPr>
-            <a:picLocks noChangeAspect="1"/>
-          </p:cNvPicPr>
-          <p:nvPr/>
-        </p:nvPicPr>
-        <p:blipFill rotWithShape="1">
-          <a:blip r:embed="rId4"/>
-          <a:srcRect l="6867" r="2490" b="4009"/>
-          <a:stretch/>
-        </p:blipFill>
-        <p:spPr>
-          <a:xfrm>
-            <a:off x="5967229" y="3007953"/>
-            <a:ext cx="3119622" cy="2555694"/>
-          </a:xfrm>
-          <a:prstGeom prst="rect">
-            <a:avLst/>
-          </a:prstGeom>
-        </p:spPr>
-      </p:pic>
       <p:sp>
         <p:nvSpPr>
           <p:cNvPr id="17" name="Seta: para a Direita 16">
@@ -17974,6 +19924,86 @@
           </a:p>
         </p:txBody>
       </p:sp>
+      <p:grpSp>
+        <p:nvGrpSpPr>
+          <p:cNvPr id="5" name="Agrupar 4">
+            <a:extLst>
+              <a:ext uri="{FF2B5EF4-FFF2-40B4-BE49-F238E27FC236}">
+                <a16:creationId xmlns:a16="http://schemas.microsoft.com/office/drawing/2014/main" id="{D961F8E7-CAE4-41AE-831D-951B4700B32B}"/>
+              </a:ext>
+            </a:extLst>
+          </p:cNvPr>
+          <p:cNvGrpSpPr/>
+          <p:nvPr/>
+        </p:nvGrpSpPr>
+        <p:grpSpPr>
+          <a:xfrm>
+            <a:off x="5967229" y="3007953"/>
+            <a:ext cx="3119622" cy="2555694"/>
+            <a:chOff x="5967229" y="3007953"/>
+            <a:chExt cx="3119622" cy="2555694"/>
+          </a:xfrm>
+        </p:grpSpPr>
+        <p:pic>
+          <p:nvPicPr>
+            <p:cNvPr id="16" name="Imagem 15">
+              <a:extLst>
+                <a:ext uri="{FF2B5EF4-FFF2-40B4-BE49-F238E27FC236}">
+                  <a16:creationId xmlns:a16="http://schemas.microsoft.com/office/drawing/2014/main" id="{49E9E27B-937F-3C61-D72B-9DD0B61B3957}"/>
+                </a:ext>
+              </a:extLst>
+            </p:cNvPr>
+            <p:cNvPicPr>
+              <a:picLocks noChangeAspect="1"/>
+            </p:cNvPicPr>
+            <p:nvPr/>
+          </p:nvPicPr>
+          <p:blipFill rotWithShape="1">
+            <a:blip r:embed="rId4"/>
+            <a:srcRect l="6867" r="2490" b="4009"/>
+            <a:stretch/>
+          </p:blipFill>
+          <p:spPr>
+            <a:xfrm>
+              <a:off x="5967229" y="3007953"/>
+              <a:ext cx="3119622" cy="2555694"/>
+            </a:xfrm>
+            <a:prstGeom prst="rect">
+              <a:avLst/>
+            </a:prstGeom>
+          </p:spPr>
+        </p:pic>
+        <p:pic>
+          <p:nvPicPr>
+            <p:cNvPr id="4" name="Imagem 3">
+              <a:extLst>
+                <a:ext uri="{FF2B5EF4-FFF2-40B4-BE49-F238E27FC236}">
+                  <a16:creationId xmlns:a16="http://schemas.microsoft.com/office/drawing/2014/main" id="{D714E9D2-E48B-48EF-A431-B8BF5D028644}"/>
+                </a:ext>
+              </a:extLst>
+            </p:cNvPr>
+            <p:cNvPicPr>
+              <a:picLocks noChangeAspect="1"/>
+            </p:cNvPicPr>
+            <p:nvPr/>
+          </p:nvPicPr>
+          <p:blipFill>
+            <a:blip r:embed="rId5"/>
+            <a:stretch>
+              <a:fillRect/>
+            </a:stretch>
+          </p:blipFill>
+          <p:spPr>
+            <a:xfrm>
+              <a:off x="7700916" y="3640838"/>
+              <a:ext cx="858883" cy="833623"/>
+            </a:xfrm>
+            <a:prstGeom prst="rect">
+              <a:avLst/>
+            </a:prstGeom>
+          </p:spPr>
+        </p:pic>
+      </p:grpSp>
     </p:spTree>
     <p:extLst>
       <p:ext uri="{BB962C8B-B14F-4D97-AF65-F5344CB8AC3E}">
